--- a/Разработка вероятностного метода  отслеживания объектов в видеопотоке_new.pptx
+++ b/Разработка вероятностного метода  отслеживания объектов в видеопотоке_new.pptx
@@ -211,7 +211,7 @@
             <a:fld id="{53081E6D-8C6E-4711-813E-E2FA21F30C0E}" type="datetimeFigureOut">
               <a:rPr lang="ru-RU" smtClean="0"/>
               <a:pPr/>
-              <a:t>25.05.2014</a:t>
+              <a:t>26.05.2014</a:t>
             </a:fld>
             <a:endParaRPr lang="ru-RU"/>
           </a:p>
@@ -984,10 +984,9 @@
           <a:bodyPr/>
           <a:lstStyle/>
           <a:p>
-            <a:fld id="{4641F885-48D2-4260-9120-FA9BBCEB77D6}" type="datetime1">
+            <a:fld id="{4AE0573F-CE86-4A42-91B4-848379050BD0}" type="datetime1">
               <a:rPr lang="ru-RU" smtClean="0"/>
-              <a:pPr/>
-              <a:t>25.05.2014</a:t>
+              <a:t>26.05.2014</a:t>
             </a:fld>
             <a:endParaRPr lang="ru-RU"/>
           </a:p>
@@ -1151,10 +1150,9 @@
           <a:bodyPr/>
           <a:lstStyle/>
           <a:p>
-            <a:fld id="{5CE8E11B-C095-4A16-A3F7-79F83ACC1E4E}" type="datetime1">
+            <a:fld id="{F04F0316-5C6D-4A9D-A1A2-B901BC402500}" type="datetime1">
               <a:rPr lang="ru-RU" smtClean="0"/>
-              <a:pPr/>
-              <a:t>25.05.2014</a:t>
+              <a:t>26.05.2014</a:t>
             </a:fld>
             <a:endParaRPr lang="ru-RU"/>
           </a:p>
@@ -1328,10 +1326,9 @@
           <a:bodyPr/>
           <a:lstStyle/>
           <a:p>
-            <a:fld id="{F215F34A-F843-4053-8B10-C2353028FC71}" type="datetime1">
+            <a:fld id="{5091EAEE-EF5F-40C6-90B0-E7655986E387}" type="datetime1">
               <a:rPr lang="ru-RU" smtClean="0"/>
-              <a:pPr/>
-              <a:t>25.05.2014</a:t>
+              <a:t>26.05.2014</a:t>
             </a:fld>
             <a:endParaRPr lang="ru-RU"/>
           </a:p>
@@ -1495,10 +1492,9 @@
           <a:bodyPr/>
           <a:lstStyle/>
           <a:p>
-            <a:fld id="{AA883DE3-4AFD-486A-96FE-D1AEA3679642}" type="datetime1">
+            <a:fld id="{3AC48C08-6AEE-4C79-B3AA-774EEEB0C903}" type="datetime1">
               <a:rPr lang="ru-RU" smtClean="0"/>
-              <a:pPr/>
-              <a:t>25.05.2014</a:t>
+              <a:t>26.05.2014</a:t>
             </a:fld>
             <a:endParaRPr lang="ru-RU"/>
           </a:p>
@@ -1738,10 +1734,9 @@
           <a:bodyPr/>
           <a:lstStyle/>
           <a:p>
-            <a:fld id="{4B103306-F3D7-497F-89C2-D4FA44B7D765}" type="datetime1">
+            <a:fld id="{DCFBAADF-C062-4848-B98E-464A2FD1A83F}" type="datetime1">
               <a:rPr lang="ru-RU" smtClean="0"/>
-              <a:pPr/>
-              <a:t>25.05.2014</a:t>
+              <a:t>26.05.2014</a:t>
             </a:fld>
             <a:endParaRPr lang="ru-RU"/>
           </a:p>
@@ -2023,10 +2018,9 @@
           <a:bodyPr/>
           <a:lstStyle/>
           <a:p>
-            <a:fld id="{D0015848-C03C-46EA-9103-C8590DC23437}" type="datetime1">
+            <a:fld id="{414B56DF-4941-4F0D-A7EE-831691F77E1B}" type="datetime1">
               <a:rPr lang="ru-RU" smtClean="0"/>
-              <a:pPr/>
-              <a:t>25.05.2014</a:t>
+              <a:t>26.05.2014</a:t>
             </a:fld>
             <a:endParaRPr lang="ru-RU"/>
           </a:p>
@@ -2442,10 +2436,9 @@
           <a:bodyPr/>
           <a:lstStyle/>
           <a:p>
-            <a:fld id="{A31CBC74-5B64-4A8E-A796-A95BF2DA3177}" type="datetime1">
+            <a:fld id="{60981422-263A-4C79-9765-D3306BDEEECD}" type="datetime1">
               <a:rPr lang="ru-RU" smtClean="0"/>
-              <a:pPr/>
-              <a:t>25.05.2014</a:t>
+              <a:t>26.05.2014</a:t>
             </a:fld>
             <a:endParaRPr lang="ru-RU"/>
           </a:p>
@@ -2557,10 +2550,9 @@
           <a:bodyPr/>
           <a:lstStyle/>
           <a:p>
-            <a:fld id="{B134833C-94C4-4380-8C3E-FDCCA862BA07}" type="datetime1">
+            <a:fld id="{E2EC7748-18EA-4288-BCE6-677FA3DD4CE2}" type="datetime1">
               <a:rPr lang="ru-RU" smtClean="0"/>
-              <a:pPr/>
-              <a:t>25.05.2014</a:t>
+              <a:t>26.05.2014</a:t>
             </a:fld>
             <a:endParaRPr lang="ru-RU"/>
           </a:p>
@@ -2649,10 +2641,9 @@
           <a:bodyPr/>
           <a:lstStyle/>
           <a:p>
-            <a:fld id="{D58EDACC-0373-4819-A4FB-6098255A2B87}" type="datetime1">
+            <a:fld id="{130DD718-4766-4CD9-9B66-507F120B005C}" type="datetime1">
               <a:rPr lang="ru-RU" smtClean="0"/>
-              <a:pPr/>
-              <a:t>25.05.2014</a:t>
+              <a:t>26.05.2014</a:t>
             </a:fld>
             <a:endParaRPr lang="ru-RU"/>
           </a:p>
@@ -2923,10 +2914,9 @@
           <a:bodyPr/>
           <a:lstStyle/>
           <a:p>
-            <a:fld id="{FC087297-2D8B-4F15-81E7-D131F16C91A3}" type="datetime1">
+            <a:fld id="{F01E2AF9-61D5-4D3C-9F6C-6EA0C4CCA339}" type="datetime1">
               <a:rPr lang="ru-RU" smtClean="0"/>
-              <a:pPr/>
-              <a:t>25.05.2014</a:t>
+              <a:t>26.05.2014</a:t>
             </a:fld>
             <a:endParaRPr lang="ru-RU"/>
           </a:p>
@@ -3173,10 +3163,9 @@
           <a:bodyPr/>
           <a:lstStyle/>
           <a:p>
-            <a:fld id="{E6149E41-6746-48B2-8A6F-D68C6EC9C686}" type="datetime1">
+            <a:fld id="{A82E4EED-90B2-45A6-83FF-11F0D4568B72}" type="datetime1">
               <a:rPr lang="ru-RU" smtClean="0"/>
-              <a:pPr/>
-              <a:t>25.05.2014</a:t>
+              <a:t>26.05.2014</a:t>
             </a:fld>
             <a:endParaRPr lang="ru-RU"/>
           </a:p>
@@ -3383,10 +3372,9 @@
             </a:lvl1pPr>
           </a:lstStyle>
           <a:p>
-            <a:fld id="{E11633FC-756B-4CF3-A295-C028E58888D3}" type="datetime1">
+            <a:fld id="{B5B5472E-78A5-4D9A-871C-51B8CC296870}" type="datetime1">
               <a:rPr lang="ru-RU" smtClean="0"/>
-              <a:pPr/>
-              <a:t>25.05.2014</a:t>
+              <a:t>26.05.2014</a:t>
             </a:fld>
             <a:endParaRPr lang="ru-RU"/>
           </a:p>
@@ -3924,1570 +3912,30 @@
           </a:p>
         </p:txBody>
       </p:sp>
-      <p:sp>
-        <p:nvSpPr>
-          <p:cNvPr id="5" name="Блок-схема: альтернативный процесс 4"/>
-          <p:cNvSpPr/>
+      <p:pic>
+        <p:nvPicPr>
+          <p:cNvPr id="48" name="Рисунок 47" descr="Condensation2.png"/>
+          <p:cNvPicPr>
+            <a:picLocks noChangeAspect="1"/>
+          </p:cNvPicPr>
           <p:nvPr/>
-        </p:nvSpPr>
+        </p:nvPicPr>
+        <p:blipFill>
+          <a:blip r:embed="rId3" cstate="print"/>
+          <a:stretch>
+            <a:fillRect/>
+          </a:stretch>
+        </p:blipFill>
         <p:spPr>
           <a:xfrm>
-            <a:off x="251520" y="1630476"/>
-            <a:ext cx="2448272" cy="576064"/>
-          </a:xfrm>
-          <a:prstGeom prst="flowChartAlternateProcess">
-            <a:avLst/>
-          </a:prstGeom>
-        </p:spPr>
-        <p:style>
-          <a:lnRef idx="2">
-            <a:schemeClr val="accent1">
-              <a:shade val="50000"/>
-            </a:schemeClr>
-          </a:lnRef>
-          <a:fillRef idx="1">
-            <a:schemeClr val="accent1"/>
-          </a:fillRef>
-          <a:effectRef idx="0">
-            <a:schemeClr val="accent1"/>
-          </a:effectRef>
-          <a:fontRef idx="minor">
-            <a:schemeClr val="lt1"/>
-          </a:fontRef>
-        </p:style>
-        <p:txBody>
-          <a:bodyPr rtlCol="0" anchor="ctr"/>
-          <a:lstStyle/>
-          <a:p>
-            <a:pPr algn="ctr"/>
-            <a:r>
-              <a:rPr lang="ru-RU" dirty="0" smtClean="0">
-                <a:solidFill>
-                  <a:schemeClr val="tx1"/>
-                </a:solidFill>
-              </a:rPr>
-              <a:t>Начало</a:t>
-            </a:r>
-            <a:endParaRPr lang="ru-RU" dirty="0">
-              <a:solidFill>
-                <a:schemeClr val="tx1"/>
-              </a:solidFill>
-            </a:endParaRPr>
-          </a:p>
-        </p:txBody>
-      </p:sp>
-      <p:sp>
-        <p:nvSpPr>
-          <p:cNvPr id="6" name="Блок-схема: данные 5"/>
-          <p:cNvSpPr/>
-          <p:nvPr/>
-        </p:nvSpPr>
-        <p:spPr>
-          <a:xfrm>
-            <a:off x="251520" y="2484215"/>
-            <a:ext cx="2448272" cy="502045"/>
-          </a:xfrm>
-          <a:prstGeom prst="flowChartInputOutput">
-            <a:avLst/>
-          </a:prstGeom>
-        </p:spPr>
-        <p:style>
-          <a:lnRef idx="2">
-            <a:schemeClr val="accent1">
-              <a:shade val="50000"/>
-            </a:schemeClr>
-          </a:lnRef>
-          <a:fillRef idx="1">
-            <a:schemeClr val="accent1"/>
-          </a:fillRef>
-          <a:effectRef idx="0">
-            <a:schemeClr val="accent1"/>
-          </a:effectRef>
-          <a:fontRef idx="minor">
-            <a:schemeClr val="lt1"/>
-          </a:fontRef>
-        </p:style>
-        <p:txBody>
-          <a:bodyPr rtlCol="0" anchor="ctr"/>
-          <a:lstStyle/>
-          <a:p>
-            <a:pPr algn="ctr"/>
-            <a:r>
-              <a:rPr lang="ru-RU" dirty="0" smtClean="0">
-                <a:solidFill>
-                  <a:schemeClr val="tx1"/>
-                </a:solidFill>
-              </a:rPr>
-              <a:t>Эталонная гистограмма</a:t>
-            </a:r>
-            <a:endParaRPr lang="ru-RU" dirty="0">
-              <a:solidFill>
-                <a:schemeClr val="tx1"/>
-              </a:solidFill>
-            </a:endParaRPr>
-          </a:p>
-        </p:txBody>
-      </p:sp>
-      <p:sp>
-        <p:nvSpPr>
-          <p:cNvPr id="7" name="Блок-схема: процесс 6"/>
-          <p:cNvSpPr/>
-          <p:nvPr/>
-        </p:nvSpPr>
-        <p:spPr>
-          <a:xfrm>
-            <a:off x="251520" y="3263935"/>
-            <a:ext cx="2520280" cy="573718"/>
-          </a:xfrm>
-          <a:prstGeom prst="flowChartProcess">
-            <a:avLst/>
-          </a:prstGeom>
-        </p:spPr>
-        <p:style>
-          <a:lnRef idx="2">
-            <a:schemeClr val="accent1">
-              <a:shade val="50000"/>
-            </a:schemeClr>
-          </a:lnRef>
-          <a:fillRef idx="1">
-            <a:schemeClr val="accent1"/>
-          </a:fillRef>
-          <a:effectRef idx="0">
-            <a:schemeClr val="accent1"/>
-          </a:effectRef>
-          <a:fontRef idx="minor">
-            <a:schemeClr val="lt1"/>
-          </a:fontRef>
-        </p:style>
-        <p:txBody>
-          <a:bodyPr rtlCol="0" anchor="ctr"/>
-          <a:lstStyle/>
-          <a:p>
-            <a:pPr algn="ctr"/>
-            <a:r>
-              <a:rPr lang="ru-RU" dirty="0" smtClean="0">
-                <a:solidFill>
-                  <a:schemeClr val="tx1"/>
-                </a:solidFill>
-              </a:rPr>
-              <a:t>Сгенерировать набор</a:t>
-            </a:r>
-            <a:endParaRPr lang="en-US" dirty="0" smtClean="0">
-              <a:solidFill>
-                <a:schemeClr val="tx1"/>
-              </a:solidFill>
-            </a:endParaRPr>
-          </a:p>
-          <a:p>
-            <a:pPr algn="ctr"/>
-            <a:r>
-              <a:rPr lang="ru-RU" dirty="0" smtClean="0">
-                <a:solidFill>
-                  <a:schemeClr val="tx1"/>
-                </a:solidFill>
-              </a:rPr>
-              <a:t>из </a:t>
-            </a:r>
-            <a:r>
-              <a:rPr lang="en-US" i="1" dirty="0" smtClean="0">
-                <a:solidFill>
-                  <a:schemeClr val="tx1"/>
-                </a:solidFill>
-              </a:rPr>
-              <a:t>N </a:t>
-            </a:r>
-            <a:r>
-              <a:rPr lang="ru-RU" dirty="0" smtClean="0">
-                <a:solidFill>
-                  <a:schemeClr val="tx1"/>
-                </a:solidFill>
-              </a:rPr>
-              <a:t>частиц </a:t>
-            </a:r>
-            <a:endParaRPr lang="ru-RU" dirty="0">
-              <a:solidFill>
-                <a:schemeClr val="tx1"/>
-              </a:solidFill>
-            </a:endParaRPr>
-          </a:p>
-        </p:txBody>
-      </p:sp>
-      <p:graphicFrame>
-        <p:nvGraphicFramePr>
-          <p:cNvPr id="55298" name="Object 2"/>
-          <p:cNvGraphicFramePr>
-            <a:graphicFrameLocks noChangeAspect="1"/>
-          </p:cNvGraphicFramePr>
-          <p:nvPr/>
-        </p:nvGraphicFramePr>
-        <p:xfrm>
-          <a:off x="2123728" y="3501008"/>
-          <a:ext cx="297762" cy="391418"/>
-        </p:xfrm>
-        <a:graphic>
-          <a:graphicData uri="http://schemas.openxmlformats.org/presentationml/2006/ole">
-            <p:oleObj spid="_x0000_s55298" name="Equation" r:id="rId4" imgW="177480" imgH="228600" progId="Equation.3">
-              <p:embed/>
-            </p:oleObj>
-          </a:graphicData>
-        </a:graphic>
-      </p:graphicFrame>
-      <p:sp>
-        <p:nvSpPr>
-          <p:cNvPr id="9" name="Прямоугольник с двумя вырезанными соседними углами 8"/>
-          <p:cNvSpPr/>
-          <p:nvPr/>
-        </p:nvSpPr>
-        <p:spPr>
-          <a:xfrm>
-            <a:off x="251520" y="4115328"/>
-            <a:ext cx="2520280" cy="574388"/>
-          </a:xfrm>
-          <a:prstGeom prst="snip2SameRect">
-            <a:avLst/>
-          </a:prstGeom>
-        </p:spPr>
-        <p:style>
-          <a:lnRef idx="2">
-            <a:schemeClr val="accent1">
-              <a:shade val="50000"/>
-            </a:schemeClr>
-          </a:lnRef>
-          <a:fillRef idx="1">
-            <a:schemeClr val="accent1"/>
-          </a:fillRef>
-          <a:effectRef idx="0">
-            <a:schemeClr val="accent1"/>
-          </a:effectRef>
-          <a:fontRef idx="minor">
-            <a:schemeClr val="lt1"/>
-          </a:fontRef>
-        </p:style>
-        <p:txBody>
-          <a:bodyPr rtlCol="0" anchor="t"/>
-          <a:lstStyle/>
-          <a:p>
-            <a:pPr algn="ctr"/>
-            <a:r>
-              <a:rPr lang="ru-RU" dirty="0" smtClean="0">
-                <a:solidFill>
-                  <a:schemeClr val="tx1"/>
-                </a:solidFill>
-              </a:rPr>
-              <a:t>Цикл по всем кадрам </a:t>
-            </a:r>
-          </a:p>
-          <a:p>
-            <a:pPr algn="ctr"/>
-            <a:endParaRPr lang="ru-RU" dirty="0">
-              <a:solidFill>
-                <a:schemeClr val="tx1"/>
-              </a:solidFill>
-            </a:endParaRPr>
-          </a:p>
-        </p:txBody>
-      </p:sp>
-      <p:graphicFrame>
-        <p:nvGraphicFramePr>
-          <p:cNvPr id="55299" name="Object 3"/>
-          <p:cNvGraphicFramePr>
-            <a:graphicFrameLocks noChangeAspect="1"/>
-          </p:cNvGraphicFramePr>
-          <p:nvPr/>
-        </p:nvGraphicFramePr>
-        <p:xfrm>
-          <a:off x="1025624" y="4365104"/>
-          <a:ext cx="954088" cy="304800"/>
-        </p:xfrm>
-        <a:graphic>
-          <a:graphicData uri="http://schemas.openxmlformats.org/presentationml/2006/ole">
-            <p:oleObj spid="_x0000_s55299" name="Equation" r:id="rId5" imgW="571320" imgH="177480" progId="Equation.3">
-              <p:embed/>
-            </p:oleObj>
-          </a:graphicData>
-        </a:graphic>
-      </p:graphicFrame>
-      <p:sp>
-        <p:nvSpPr>
-          <p:cNvPr id="11" name="Блок-схема: процесс 10"/>
-          <p:cNvSpPr/>
-          <p:nvPr/>
-        </p:nvSpPr>
-        <p:spPr>
-          <a:xfrm>
-            <a:off x="251520" y="4967391"/>
-            <a:ext cx="2520280" cy="488188"/>
-          </a:xfrm>
-          <a:prstGeom prst="flowChartProcess">
-            <a:avLst/>
-          </a:prstGeom>
-        </p:spPr>
-        <p:style>
-          <a:lnRef idx="2">
-            <a:schemeClr val="accent1">
-              <a:shade val="50000"/>
-            </a:schemeClr>
-          </a:lnRef>
-          <a:fillRef idx="1">
-            <a:schemeClr val="accent1"/>
-          </a:fillRef>
-          <a:effectRef idx="0">
-            <a:schemeClr val="accent1"/>
-          </a:effectRef>
-          <a:fontRef idx="minor">
-            <a:schemeClr val="lt1"/>
-          </a:fontRef>
-        </p:style>
-        <p:txBody>
-          <a:bodyPr rtlCol="0" anchor="ctr"/>
-          <a:lstStyle/>
-          <a:p>
-            <a:pPr algn="ctr"/>
-            <a:r>
-              <a:rPr lang="ru-RU" dirty="0" smtClean="0"/>
-              <a:t> </a:t>
-            </a:r>
-            <a:endParaRPr lang="ru-RU" dirty="0"/>
-          </a:p>
-        </p:txBody>
-      </p:sp>
-      <p:graphicFrame>
-        <p:nvGraphicFramePr>
-          <p:cNvPr id="55300" name="Object 4"/>
-          <p:cNvGraphicFramePr>
-            <a:graphicFrameLocks noChangeAspect="1"/>
-          </p:cNvGraphicFramePr>
-          <p:nvPr/>
-        </p:nvGraphicFramePr>
-        <p:xfrm>
-          <a:off x="1209304" y="5013008"/>
-          <a:ext cx="784225" cy="392112"/>
-        </p:xfrm>
-        <a:graphic>
-          <a:graphicData uri="http://schemas.openxmlformats.org/presentationml/2006/ole">
-            <p:oleObj spid="_x0000_s55300" name="Equation" r:id="rId6" imgW="469800" imgH="228600" progId="Equation.3">
-              <p:embed/>
-            </p:oleObj>
-          </a:graphicData>
-        </a:graphic>
-      </p:graphicFrame>
-      <p:sp>
-        <p:nvSpPr>
-          <p:cNvPr id="13" name="Прямоугольник с двумя вырезанными соседними углами 12"/>
-          <p:cNvSpPr/>
-          <p:nvPr/>
-        </p:nvSpPr>
-        <p:spPr>
-          <a:xfrm>
-            <a:off x="251520" y="5733256"/>
-            <a:ext cx="2520280" cy="792088"/>
-          </a:xfrm>
-          <a:prstGeom prst="snip2SameRect">
-            <a:avLst/>
-          </a:prstGeom>
-        </p:spPr>
-        <p:style>
-          <a:lnRef idx="2">
-            <a:schemeClr val="accent1">
-              <a:shade val="50000"/>
-            </a:schemeClr>
-          </a:lnRef>
-          <a:fillRef idx="1">
-            <a:schemeClr val="accent1"/>
-          </a:fillRef>
-          <a:effectRef idx="0">
-            <a:schemeClr val="accent1"/>
-          </a:effectRef>
-          <a:fontRef idx="minor">
-            <a:schemeClr val="lt1"/>
-          </a:fontRef>
-        </p:style>
-        <p:txBody>
-          <a:bodyPr rtlCol="0" anchor="ctr"/>
-          <a:lstStyle/>
-          <a:p>
-            <a:pPr algn="ctr"/>
-            <a:r>
-              <a:rPr lang="ru-RU" dirty="0" smtClean="0">
-                <a:solidFill>
-                  <a:schemeClr val="tx1"/>
-                </a:solidFill>
-              </a:rPr>
-              <a:t>Цикл по всем частицам  </a:t>
-            </a:r>
-          </a:p>
-          <a:p>
-            <a:pPr algn="ctr"/>
-            <a:endParaRPr lang="ru-RU" dirty="0">
-              <a:solidFill>
-                <a:schemeClr val="tx1"/>
-              </a:solidFill>
-            </a:endParaRPr>
-          </a:p>
-        </p:txBody>
-      </p:sp>
-      <p:graphicFrame>
-        <p:nvGraphicFramePr>
-          <p:cNvPr id="55301" name="Object 5"/>
-          <p:cNvGraphicFramePr>
-            <a:graphicFrameLocks noChangeAspect="1"/>
-          </p:cNvGraphicFramePr>
-          <p:nvPr/>
-        </p:nvGraphicFramePr>
-        <p:xfrm>
-          <a:off x="1187624" y="6220544"/>
-          <a:ext cx="825500" cy="304800"/>
-        </p:xfrm>
-        <a:graphic>
-          <a:graphicData uri="http://schemas.openxmlformats.org/presentationml/2006/ole">
-            <p:oleObj spid="_x0000_s55301" name="Equation" r:id="rId7" imgW="495000" imgH="177480" progId="Equation.3">
-              <p:embed/>
-            </p:oleObj>
-          </a:graphicData>
-        </a:graphic>
-      </p:graphicFrame>
-      <p:sp>
-        <p:nvSpPr>
-          <p:cNvPr id="15" name="Блок-схема: процесс 14"/>
-          <p:cNvSpPr/>
-          <p:nvPr/>
-        </p:nvSpPr>
-        <p:spPr>
-          <a:xfrm>
-            <a:off x="3419872" y="1844824"/>
-            <a:ext cx="2520280" cy="864096"/>
-          </a:xfrm>
-          <a:prstGeom prst="flowChartProcess">
-            <a:avLst/>
-          </a:prstGeom>
-        </p:spPr>
-        <p:style>
-          <a:lnRef idx="2">
-            <a:schemeClr val="accent1">
-              <a:shade val="50000"/>
-            </a:schemeClr>
-          </a:lnRef>
-          <a:fillRef idx="1">
-            <a:schemeClr val="accent1"/>
-          </a:fillRef>
-          <a:effectRef idx="0">
-            <a:schemeClr val="accent1"/>
-          </a:effectRef>
-          <a:fontRef idx="minor">
-            <a:schemeClr val="lt1"/>
-          </a:fontRef>
-        </p:style>
-        <p:txBody>
-          <a:bodyPr rtlCol="0" anchor="ctr"/>
-          <a:lstStyle/>
-          <a:p>
-            <a:r>
-              <a:rPr lang="ru-RU" dirty="0" smtClean="0">
-                <a:solidFill>
-                  <a:schemeClr val="tx1"/>
-                </a:solidFill>
-              </a:rPr>
-              <a:t>Выбрать из         частицу</a:t>
-            </a:r>
-          </a:p>
-          <a:p>
-            <a:r>
-              <a:rPr lang="ru-RU" dirty="0" smtClean="0">
-                <a:solidFill>
-                  <a:schemeClr val="tx1"/>
-                </a:solidFill>
-              </a:rPr>
-              <a:t>       с вероятностью </a:t>
-            </a:r>
-            <a:endParaRPr lang="en-US" dirty="0" smtClean="0">
-              <a:solidFill>
-                <a:schemeClr val="tx1"/>
-              </a:solidFill>
-            </a:endParaRPr>
-          </a:p>
-        </p:txBody>
-      </p:sp>
-      <p:graphicFrame>
-        <p:nvGraphicFramePr>
-          <p:cNvPr id="55302" name="Object 6"/>
-          <p:cNvGraphicFramePr>
-            <a:graphicFrameLocks noChangeAspect="1"/>
-          </p:cNvGraphicFramePr>
-          <p:nvPr/>
-        </p:nvGraphicFramePr>
-        <p:xfrm>
-          <a:off x="4631556" y="1916832"/>
-          <a:ext cx="444500" cy="392112"/>
-        </p:xfrm>
-        <a:graphic>
-          <a:graphicData uri="http://schemas.openxmlformats.org/presentationml/2006/ole">
-            <p:oleObj spid="_x0000_s55302" name="Equation" r:id="rId8" imgW="266400" imgH="228600" progId="Equation.3">
-              <p:embed/>
-            </p:oleObj>
-          </a:graphicData>
-        </a:graphic>
-      </p:graphicFrame>
-      <p:graphicFrame>
-        <p:nvGraphicFramePr>
-          <p:cNvPr id="55303" name="Object 7"/>
-          <p:cNvGraphicFramePr>
-            <a:graphicFrameLocks noChangeAspect="1"/>
-          </p:cNvGraphicFramePr>
-          <p:nvPr/>
-        </p:nvGraphicFramePr>
-        <p:xfrm>
-          <a:off x="3419872" y="2204864"/>
-          <a:ext cx="403225" cy="412750"/>
-        </p:xfrm>
-        <a:graphic>
-          <a:graphicData uri="http://schemas.openxmlformats.org/presentationml/2006/ole">
-            <p:oleObj spid="_x0000_s55303" name="Equation" r:id="rId9" imgW="241200" imgH="241200" progId="Equation.3">
-              <p:embed/>
-            </p:oleObj>
-          </a:graphicData>
-        </a:graphic>
-      </p:graphicFrame>
-      <p:sp>
-        <p:nvSpPr>
-          <p:cNvPr id="19" name="Блок-схема: процесс 18"/>
-          <p:cNvSpPr/>
-          <p:nvPr/>
-        </p:nvSpPr>
-        <p:spPr>
-          <a:xfrm>
-            <a:off x="3419872" y="2978950"/>
-            <a:ext cx="2520280" cy="576064"/>
-          </a:xfrm>
-          <a:prstGeom prst="flowChartProcess">
-            <a:avLst/>
-          </a:prstGeom>
-        </p:spPr>
-        <p:style>
-          <a:lnRef idx="2">
-            <a:schemeClr val="accent1">
-              <a:shade val="50000"/>
-            </a:schemeClr>
-          </a:lnRef>
-          <a:fillRef idx="1">
-            <a:schemeClr val="accent1"/>
-          </a:fillRef>
-          <a:effectRef idx="0">
-            <a:schemeClr val="accent1"/>
-          </a:effectRef>
-          <a:fontRef idx="minor">
-            <a:schemeClr val="lt1"/>
-          </a:fontRef>
-        </p:style>
-        <p:txBody>
-          <a:bodyPr rtlCol="0" anchor="ctr"/>
-          <a:lstStyle/>
-          <a:p>
-            <a:pPr algn="ctr"/>
-            <a:endParaRPr lang="ru-RU" dirty="0">
-              <a:solidFill>
-                <a:schemeClr val="tx1"/>
-              </a:solidFill>
-            </a:endParaRPr>
-          </a:p>
-        </p:txBody>
-      </p:sp>
-      <p:graphicFrame>
-        <p:nvGraphicFramePr>
-          <p:cNvPr id="55305" name="Object 9"/>
-          <p:cNvGraphicFramePr>
-            <a:graphicFrameLocks noChangeAspect="1"/>
-          </p:cNvGraphicFramePr>
-          <p:nvPr/>
-        </p:nvGraphicFramePr>
-        <p:xfrm>
-          <a:off x="3655690" y="3067930"/>
-          <a:ext cx="2048644" cy="435132"/>
-        </p:xfrm>
-        <a:graphic>
-          <a:graphicData uri="http://schemas.openxmlformats.org/presentationml/2006/ole">
-            <p:oleObj spid="_x0000_s55305" name="Equation" r:id="rId10" imgW="977760" imgH="241200" progId="Equation.3">
-              <p:embed/>
-            </p:oleObj>
-          </a:graphicData>
-        </a:graphic>
-      </p:graphicFrame>
-      <p:sp>
-        <p:nvSpPr>
-          <p:cNvPr id="21" name="Блок-схема: процесс 20"/>
-          <p:cNvSpPr/>
-          <p:nvPr/>
-        </p:nvSpPr>
-        <p:spPr>
-          <a:xfrm>
-            <a:off x="3419872" y="3825044"/>
-            <a:ext cx="2520280" cy="792088"/>
-          </a:xfrm>
-          <a:prstGeom prst="flowChartProcess">
-            <a:avLst/>
-          </a:prstGeom>
-        </p:spPr>
-        <p:style>
-          <a:lnRef idx="2">
-            <a:schemeClr val="accent1">
-              <a:shade val="50000"/>
-            </a:schemeClr>
-          </a:lnRef>
-          <a:fillRef idx="1">
-            <a:schemeClr val="accent1"/>
-          </a:fillRef>
-          <a:effectRef idx="0">
-            <a:schemeClr val="accent1"/>
-          </a:effectRef>
-          <a:fontRef idx="minor">
-            <a:schemeClr val="lt1"/>
-          </a:fontRef>
-        </p:style>
-        <p:txBody>
-          <a:bodyPr rtlCol="0" anchor="ctr"/>
-          <a:lstStyle/>
-          <a:p>
-            <a:pPr algn="ctr"/>
-            <a:endParaRPr lang="ru-RU" dirty="0">
-              <a:solidFill>
-                <a:schemeClr val="tx1"/>
-              </a:solidFill>
-            </a:endParaRPr>
-          </a:p>
-        </p:txBody>
-      </p:sp>
-      <p:graphicFrame>
-        <p:nvGraphicFramePr>
-          <p:cNvPr id="55306" name="Object 10"/>
-          <p:cNvGraphicFramePr>
-            <a:graphicFrameLocks noChangeAspect="1"/>
-          </p:cNvGraphicFramePr>
-          <p:nvPr/>
-        </p:nvGraphicFramePr>
-        <p:xfrm>
-          <a:off x="3419872" y="3824015"/>
-          <a:ext cx="2520280" cy="653215"/>
-        </p:xfrm>
-        <a:graphic>
-          <a:graphicData uri="http://schemas.openxmlformats.org/presentationml/2006/ole">
-            <p:oleObj spid="_x0000_s55306" name="Equation" r:id="rId11" imgW="2120760" imgH="457200" progId="Equation.3">
-              <p:embed/>
-            </p:oleObj>
-          </a:graphicData>
-        </a:graphic>
-      </p:graphicFrame>
-      <p:sp>
-        <p:nvSpPr>
-          <p:cNvPr id="24" name="Прямоугольник с двумя вырезанными соседними углами 23"/>
-          <p:cNvSpPr/>
-          <p:nvPr/>
-        </p:nvSpPr>
-        <p:spPr>
-          <a:xfrm rot="10800000">
-            <a:off x="3419872" y="5768389"/>
-            <a:ext cx="2520280" cy="576064"/>
-          </a:xfrm>
-          <a:prstGeom prst="snip2SameRect">
-            <a:avLst/>
-          </a:prstGeom>
-          <a:scene3d>
-            <a:camera prst="orthographicFront"/>
-            <a:lightRig rig="threePt" dir="t"/>
-          </a:scene3d>
-          <a:sp3d/>
-        </p:spPr>
-        <p:style>
-          <a:lnRef idx="2">
-            <a:schemeClr val="accent1">
-              <a:shade val="50000"/>
-            </a:schemeClr>
-          </a:lnRef>
-          <a:fillRef idx="1">
-            <a:schemeClr val="accent1"/>
-          </a:fillRef>
-          <a:effectRef idx="0">
-            <a:schemeClr val="accent1"/>
-          </a:effectRef>
-          <a:fontRef idx="minor">
-            <a:schemeClr val="lt1"/>
-          </a:fontRef>
-        </p:style>
-        <p:txBody>
-          <a:bodyPr vert="horz" rtlCol="0" anchor="ctr"/>
-          <a:lstStyle/>
-          <a:p>
-            <a:pPr algn="ctr"/>
-            <a:endParaRPr lang="ru-RU" dirty="0">
-              <a:solidFill>
-                <a:schemeClr val="tx1"/>
-              </a:solidFill>
-            </a:endParaRPr>
-          </a:p>
-        </p:txBody>
-      </p:sp>
-      <p:sp>
-        <p:nvSpPr>
-          <p:cNvPr id="25" name="TextBox 24"/>
-          <p:cNvSpPr txBox="1"/>
-          <p:nvPr/>
-        </p:nvSpPr>
-        <p:spPr>
-          <a:xfrm>
-            <a:off x="3710130" y="5733256"/>
-            <a:ext cx="1939762" cy="646331"/>
+            <a:off x="1795462" y="1504970"/>
+            <a:ext cx="5553075" cy="4781550"/>
           </a:xfrm>
           <a:prstGeom prst="rect">
             <a:avLst/>
           </a:prstGeom>
-          <a:noFill/>
         </p:spPr>
-        <p:txBody>
-          <a:bodyPr wrap="none" rtlCol="0">
-            <a:spAutoFit/>
-          </a:bodyPr>
-          <a:lstStyle/>
-          <a:p>
-            <a:pPr algn="ctr"/>
-            <a:r>
-              <a:rPr lang="ru-RU" dirty="0" smtClean="0"/>
-              <a:t>Конец цикла </a:t>
-            </a:r>
-          </a:p>
-          <a:p>
-            <a:pPr algn="ctr"/>
-            <a:r>
-              <a:rPr lang="ru-RU" dirty="0" smtClean="0"/>
-              <a:t>по всем частицам</a:t>
-            </a:r>
-            <a:endParaRPr lang="ru-RU" dirty="0"/>
-          </a:p>
-        </p:txBody>
-      </p:sp>
-      <p:sp>
-        <p:nvSpPr>
-          <p:cNvPr id="26" name="Блок-схема: процесс 25"/>
-          <p:cNvSpPr/>
-          <p:nvPr/>
-        </p:nvSpPr>
-        <p:spPr>
-          <a:xfrm>
-            <a:off x="3419872" y="4887162"/>
-            <a:ext cx="2520280" cy="576064"/>
-          </a:xfrm>
-          <a:prstGeom prst="flowChartProcess">
-            <a:avLst/>
-          </a:prstGeom>
-        </p:spPr>
-        <p:style>
-          <a:lnRef idx="2">
-            <a:schemeClr val="accent1">
-              <a:shade val="50000"/>
-            </a:schemeClr>
-          </a:lnRef>
-          <a:fillRef idx="1">
-            <a:schemeClr val="accent1"/>
-          </a:fillRef>
-          <a:effectRef idx="0">
-            <a:schemeClr val="accent1"/>
-          </a:effectRef>
-          <a:fontRef idx="minor">
-            <a:schemeClr val="lt1"/>
-          </a:fontRef>
-        </p:style>
-        <p:txBody>
-          <a:bodyPr rtlCol="0" anchor="ctr"/>
-          <a:lstStyle/>
-          <a:p>
-            <a:pPr algn="ctr"/>
-            <a:endParaRPr lang="ru-RU" dirty="0">
-              <a:solidFill>
-                <a:schemeClr val="tx1"/>
-              </a:solidFill>
-            </a:endParaRPr>
-          </a:p>
-        </p:txBody>
-      </p:sp>
-      <p:graphicFrame>
-        <p:nvGraphicFramePr>
-          <p:cNvPr id="55307" name="Object 11"/>
-          <p:cNvGraphicFramePr>
-            <a:graphicFrameLocks noChangeAspect="1"/>
-          </p:cNvGraphicFramePr>
-          <p:nvPr/>
-        </p:nvGraphicFramePr>
-        <p:xfrm>
-          <a:off x="4017690" y="4933586"/>
-          <a:ext cx="1292225" cy="412750"/>
-        </p:xfrm>
-        <a:graphic>
-          <a:graphicData uri="http://schemas.openxmlformats.org/presentationml/2006/ole">
-            <p:oleObj spid="_x0000_s55307" name="Equation" r:id="rId12" imgW="774360" imgH="241200" progId="Equation.3">
-              <p:embed/>
-            </p:oleObj>
-          </a:graphicData>
-        </a:graphic>
-      </p:graphicFrame>
-      <p:graphicFrame>
-        <p:nvGraphicFramePr>
-          <p:cNvPr id="55309" name="Object 13"/>
-          <p:cNvGraphicFramePr>
-            <a:graphicFrameLocks noChangeAspect="1"/>
-          </p:cNvGraphicFramePr>
-          <p:nvPr/>
-        </p:nvGraphicFramePr>
-        <p:xfrm>
-          <a:off x="5436096" y="2204864"/>
-          <a:ext cx="466725" cy="415925"/>
-        </p:xfrm>
-        <a:graphic>
-          <a:graphicData uri="http://schemas.openxmlformats.org/presentationml/2006/ole">
-            <p:oleObj spid="_x0000_s55309" name="Equation" r:id="rId13" imgW="279360" imgH="241200" progId="Equation.3">
-              <p:embed/>
-            </p:oleObj>
-          </a:graphicData>
-        </a:graphic>
-      </p:graphicFrame>
-      <p:sp>
-        <p:nvSpPr>
-          <p:cNvPr id="32" name="Блок-схема: процесс 31"/>
-          <p:cNvSpPr/>
-          <p:nvPr/>
-        </p:nvSpPr>
-        <p:spPr>
-          <a:xfrm>
-            <a:off x="6372200" y="1844824"/>
-            <a:ext cx="2520280" cy="720080"/>
-          </a:xfrm>
-          <a:prstGeom prst="flowChartProcess">
-            <a:avLst/>
-          </a:prstGeom>
-        </p:spPr>
-        <p:style>
-          <a:lnRef idx="2">
-            <a:schemeClr val="accent1">
-              <a:shade val="50000"/>
-            </a:schemeClr>
-          </a:lnRef>
-          <a:fillRef idx="1">
-            <a:schemeClr val="accent1"/>
-          </a:fillRef>
-          <a:effectRef idx="0">
-            <a:schemeClr val="accent1"/>
-          </a:effectRef>
-          <a:fontRef idx="minor">
-            <a:schemeClr val="lt1"/>
-          </a:fontRef>
-        </p:style>
-        <p:txBody>
-          <a:bodyPr rtlCol="0" anchor="ctr"/>
-          <a:lstStyle/>
-          <a:p>
-            <a:pPr algn="ctr"/>
-            <a:r>
-              <a:rPr lang="ru-RU" dirty="0" smtClean="0">
-                <a:solidFill>
-                  <a:schemeClr val="tx1"/>
-                </a:solidFill>
-              </a:rPr>
-              <a:t>Нормализовать веса частиц </a:t>
-            </a:r>
-            <a:endParaRPr lang="ru-RU" dirty="0">
-              <a:solidFill>
-                <a:schemeClr val="tx1"/>
-              </a:solidFill>
-            </a:endParaRPr>
-          </a:p>
-        </p:txBody>
-      </p:sp>
-      <p:sp>
-        <p:nvSpPr>
-          <p:cNvPr id="33" name="Блок-схема: процесс 32"/>
-          <p:cNvSpPr/>
-          <p:nvPr/>
-        </p:nvSpPr>
-        <p:spPr>
-          <a:xfrm>
-            <a:off x="6372200" y="2996952"/>
-            <a:ext cx="2520280" cy="1080120"/>
-          </a:xfrm>
-          <a:prstGeom prst="flowChartProcess">
-            <a:avLst/>
-          </a:prstGeom>
-        </p:spPr>
-        <p:style>
-          <a:lnRef idx="2">
-            <a:schemeClr val="accent1">
-              <a:shade val="50000"/>
-            </a:schemeClr>
-          </a:lnRef>
-          <a:fillRef idx="1">
-            <a:schemeClr val="accent1"/>
-          </a:fillRef>
-          <a:effectRef idx="0">
-            <a:schemeClr val="accent1"/>
-          </a:effectRef>
-          <a:fontRef idx="minor">
-            <a:schemeClr val="lt1"/>
-          </a:fontRef>
-        </p:style>
-        <p:txBody>
-          <a:bodyPr rtlCol="0" anchor="t"/>
-          <a:lstStyle/>
-          <a:p>
-            <a:pPr algn="ctr"/>
-            <a:r>
-              <a:rPr lang="ru-RU" dirty="0" smtClean="0">
-                <a:solidFill>
-                  <a:schemeClr val="tx1"/>
-                </a:solidFill>
-              </a:rPr>
-              <a:t>Вычислить значение вектора состояния </a:t>
-            </a:r>
-          </a:p>
-          <a:p>
-            <a:pPr algn="ctr"/>
-            <a:endParaRPr lang="ru-RU" dirty="0">
-              <a:solidFill>
-                <a:schemeClr val="tx1"/>
-              </a:solidFill>
-            </a:endParaRPr>
-          </a:p>
-        </p:txBody>
-      </p:sp>
-      <p:graphicFrame>
-        <p:nvGraphicFramePr>
-          <p:cNvPr id="55311" name="Object 15"/>
-          <p:cNvGraphicFramePr>
-            <a:graphicFrameLocks noChangeAspect="1"/>
-          </p:cNvGraphicFramePr>
-          <p:nvPr/>
-        </p:nvGraphicFramePr>
-        <p:xfrm>
-          <a:off x="6768752" y="3501008"/>
-          <a:ext cx="1763688" cy="603435"/>
-        </p:xfrm>
-        <a:graphic>
-          <a:graphicData uri="http://schemas.openxmlformats.org/presentationml/2006/ole">
-            <p:oleObj spid="_x0000_s55311" name="Equation" r:id="rId14" imgW="1295280" imgH="431640" progId="Equation.3">
-              <p:embed/>
-            </p:oleObj>
-          </a:graphicData>
-        </a:graphic>
-      </p:graphicFrame>
-      <p:sp>
-        <p:nvSpPr>
-          <p:cNvPr id="36" name="Прямоугольник с двумя вырезанными соседними углами 35"/>
-          <p:cNvSpPr/>
-          <p:nvPr/>
-        </p:nvSpPr>
-        <p:spPr>
-          <a:xfrm rot="10800000">
-            <a:off x="6372200" y="4573126"/>
-            <a:ext cx="2520280" cy="696078"/>
-          </a:xfrm>
-          <a:prstGeom prst="snip2SameRect">
-            <a:avLst/>
-          </a:prstGeom>
-          <a:scene3d>
-            <a:camera prst="orthographicFront"/>
-            <a:lightRig rig="threePt" dir="t"/>
-          </a:scene3d>
-          <a:sp3d/>
-        </p:spPr>
-        <p:style>
-          <a:lnRef idx="2">
-            <a:schemeClr val="accent1">
-              <a:shade val="50000"/>
-            </a:schemeClr>
-          </a:lnRef>
-          <a:fillRef idx="1">
-            <a:schemeClr val="accent1"/>
-          </a:fillRef>
-          <a:effectRef idx="0">
-            <a:schemeClr val="accent1"/>
-          </a:effectRef>
-          <a:fontRef idx="minor">
-            <a:schemeClr val="lt1"/>
-          </a:fontRef>
-        </p:style>
-        <p:txBody>
-          <a:bodyPr vert="horz" rtlCol="0" anchor="ctr"/>
-          <a:lstStyle/>
-          <a:p>
-            <a:pPr algn="ctr"/>
-            <a:endParaRPr lang="ru-RU" dirty="0">
-              <a:solidFill>
-                <a:schemeClr val="tx1"/>
-              </a:solidFill>
-            </a:endParaRPr>
-          </a:p>
-        </p:txBody>
-      </p:sp>
-      <p:sp>
-        <p:nvSpPr>
-          <p:cNvPr id="37" name="TextBox 36"/>
-          <p:cNvSpPr txBox="1"/>
-          <p:nvPr/>
-        </p:nvSpPr>
-        <p:spPr>
-          <a:xfrm>
-            <a:off x="6740109" y="4598000"/>
-            <a:ext cx="1784463" cy="646331"/>
-          </a:xfrm>
-          <a:prstGeom prst="rect">
-            <a:avLst/>
-          </a:prstGeom>
-          <a:noFill/>
-        </p:spPr>
-        <p:txBody>
-          <a:bodyPr wrap="square" rtlCol="0">
-            <a:spAutoFit/>
-          </a:bodyPr>
-          <a:lstStyle/>
-          <a:p>
-            <a:pPr algn="ctr"/>
-            <a:r>
-              <a:rPr lang="ru-RU" dirty="0" smtClean="0"/>
-              <a:t>Конец цикла </a:t>
-            </a:r>
-          </a:p>
-          <a:p>
-            <a:pPr algn="ctr"/>
-            <a:r>
-              <a:rPr lang="ru-RU" dirty="0" smtClean="0"/>
-              <a:t>по всем кадрам </a:t>
-            </a:r>
-            <a:endParaRPr lang="ru-RU" dirty="0"/>
-          </a:p>
-        </p:txBody>
-      </p:sp>
-      <p:sp>
-        <p:nvSpPr>
-          <p:cNvPr id="38" name="Блок-схема: альтернативный процесс 37"/>
-          <p:cNvSpPr/>
-          <p:nvPr/>
-        </p:nvSpPr>
-        <p:spPr>
-          <a:xfrm>
-            <a:off x="6372200" y="5661248"/>
-            <a:ext cx="2520280" cy="576064"/>
-          </a:xfrm>
-          <a:prstGeom prst="flowChartAlternateProcess">
-            <a:avLst/>
-          </a:prstGeom>
-        </p:spPr>
-        <p:style>
-          <a:lnRef idx="2">
-            <a:schemeClr val="accent1">
-              <a:shade val="50000"/>
-            </a:schemeClr>
-          </a:lnRef>
-          <a:fillRef idx="1">
-            <a:schemeClr val="accent1"/>
-          </a:fillRef>
-          <a:effectRef idx="0">
-            <a:schemeClr val="accent1"/>
-          </a:effectRef>
-          <a:fontRef idx="minor">
-            <a:schemeClr val="lt1"/>
-          </a:fontRef>
-        </p:style>
-        <p:txBody>
-          <a:bodyPr rtlCol="0" anchor="ctr"/>
-          <a:lstStyle/>
-          <a:p>
-            <a:pPr algn="ctr"/>
-            <a:r>
-              <a:rPr lang="ru-RU" dirty="0" smtClean="0">
-                <a:solidFill>
-                  <a:schemeClr val="tx1"/>
-                </a:solidFill>
-              </a:rPr>
-              <a:t>Конец</a:t>
-            </a:r>
-            <a:endParaRPr lang="ru-RU" dirty="0">
-              <a:solidFill>
-                <a:schemeClr val="tx1"/>
-              </a:solidFill>
-            </a:endParaRPr>
-          </a:p>
-        </p:txBody>
-      </p:sp>
-      <p:cxnSp>
-        <p:nvCxnSpPr>
-          <p:cNvPr id="40" name="Прямая соединительная линия 39"/>
-          <p:cNvCxnSpPr>
-            <a:stCxn id="5" idx="2"/>
-            <a:endCxn id="6" idx="1"/>
-          </p:cNvCxnSpPr>
-          <p:nvPr/>
-        </p:nvCxnSpPr>
-        <p:spPr>
-          <a:xfrm>
-            <a:off x="1475656" y="2206540"/>
-            <a:ext cx="0" cy="277675"/>
-          </a:xfrm>
-          <a:prstGeom prst="line">
-            <a:avLst/>
-          </a:prstGeom>
-        </p:spPr>
-        <p:style>
-          <a:lnRef idx="1">
-            <a:schemeClr val="accent1"/>
-          </a:lnRef>
-          <a:fillRef idx="0">
-            <a:schemeClr val="accent1"/>
-          </a:fillRef>
-          <a:effectRef idx="0">
-            <a:schemeClr val="accent1"/>
-          </a:effectRef>
-          <a:fontRef idx="minor">
-            <a:schemeClr val="tx1"/>
-          </a:fontRef>
-        </p:style>
-      </p:cxnSp>
-      <p:cxnSp>
-        <p:nvCxnSpPr>
-          <p:cNvPr id="44" name="Прямая соединительная линия 43"/>
-          <p:cNvCxnSpPr>
-            <a:stCxn id="6" idx="4"/>
-            <a:endCxn id="7" idx="0"/>
-          </p:cNvCxnSpPr>
-          <p:nvPr/>
-        </p:nvCxnSpPr>
-        <p:spPr>
-          <a:xfrm rot="16200000" flipH="1">
-            <a:off x="1354821" y="3107095"/>
-            <a:ext cx="277675" cy="36004"/>
-          </a:xfrm>
-          <a:prstGeom prst="line">
-            <a:avLst/>
-          </a:prstGeom>
-        </p:spPr>
-        <p:style>
-          <a:lnRef idx="1">
-            <a:schemeClr val="accent1"/>
-          </a:lnRef>
-          <a:fillRef idx="0">
-            <a:schemeClr val="accent1"/>
-          </a:fillRef>
-          <a:effectRef idx="0">
-            <a:schemeClr val="accent1"/>
-          </a:effectRef>
-          <a:fontRef idx="minor">
-            <a:schemeClr val="tx1"/>
-          </a:fontRef>
-        </p:style>
-      </p:cxnSp>
-      <p:cxnSp>
-        <p:nvCxnSpPr>
-          <p:cNvPr id="50" name="Прямая соединительная линия 49"/>
-          <p:cNvCxnSpPr>
-            <a:stCxn id="7" idx="2"/>
-            <a:endCxn id="9" idx="3"/>
-          </p:cNvCxnSpPr>
-          <p:nvPr/>
-        </p:nvCxnSpPr>
-        <p:spPr>
-          <a:xfrm>
-            <a:off x="1511660" y="3837653"/>
-            <a:ext cx="0" cy="277675"/>
-          </a:xfrm>
-          <a:prstGeom prst="line">
-            <a:avLst/>
-          </a:prstGeom>
-        </p:spPr>
-        <p:style>
-          <a:lnRef idx="1">
-            <a:schemeClr val="accent1"/>
-          </a:lnRef>
-          <a:fillRef idx="0">
-            <a:schemeClr val="accent1"/>
-          </a:fillRef>
-          <a:effectRef idx="0">
-            <a:schemeClr val="accent1"/>
-          </a:effectRef>
-          <a:fontRef idx="minor">
-            <a:schemeClr val="tx1"/>
-          </a:fontRef>
-        </p:style>
-      </p:cxnSp>
-      <p:cxnSp>
-        <p:nvCxnSpPr>
-          <p:cNvPr id="61" name="Прямая соединительная линия 60"/>
-          <p:cNvCxnSpPr>
-            <a:stCxn id="9" idx="1"/>
-            <a:endCxn id="11" idx="0"/>
-          </p:cNvCxnSpPr>
-          <p:nvPr/>
-        </p:nvCxnSpPr>
-        <p:spPr>
-          <a:xfrm>
-            <a:off x="1511660" y="4689716"/>
-            <a:ext cx="0" cy="277675"/>
-          </a:xfrm>
-          <a:prstGeom prst="line">
-            <a:avLst/>
-          </a:prstGeom>
-        </p:spPr>
-        <p:style>
-          <a:lnRef idx="1">
-            <a:schemeClr val="accent1"/>
-          </a:lnRef>
-          <a:fillRef idx="0">
-            <a:schemeClr val="accent1"/>
-          </a:fillRef>
-          <a:effectRef idx="0">
-            <a:schemeClr val="accent1"/>
-          </a:effectRef>
-          <a:fontRef idx="minor">
-            <a:schemeClr val="tx1"/>
-          </a:fontRef>
-        </p:style>
-      </p:cxnSp>
-      <p:cxnSp>
-        <p:nvCxnSpPr>
-          <p:cNvPr id="63" name="Прямая соединительная линия 62"/>
-          <p:cNvCxnSpPr>
-            <a:stCxn id="11" idx="2"/>
-            <a:endCxn id="13" idx="3"/>
-          </p:cNvCxnSpPr>
-          <p:nvPr/>
-        </p:nvCxnSpPr>
-        <p:spPr>
-          <a:xfrm>
-            <a:off x="1511660" y="5455579"/>
-            <a:ext cx="0" cy="277677"/>
-          </a:xfrm>
-          <a:prstGeom prst="line">
-            <a:avLst/>
-          </a:prstGeom>
-        </p:spPr>
-        <p:style>
-          <a:lnRef idx="1">
-            <a:schemeClr val="accent1"/>
-          </a:lnRef>
-          <a:fillRef idx="0">
-            <a:schemeClr val="accent1"/>
-          </a:fillRef>
-          <a:effectRef idx="0">
-            <a:schemeClr val="accent1"/>
-          </a:effectRef>
-          <a:fontRef idx="minor">
-            <a:schemeClr val="tx1"/>
-          </a:fontRef>
-        </p:style>
-      </p:cxnSp>
-      <p:cxnSp>
-        <p:nvCxnSpPr>
-          <p:cNvPr id="70" name="Shape 69"/>
-          <p:cNvCxnSpPr>
-            <a:stCxn id="13" idx="1"/>
-            <a:endCxn id="15" idx="0"/>
-          </p:cNvCxnSpPr>
-          <p:nvPr/>
-        </p:nvCxnSpPr>
-        <p:spPr>
-          <a:xfrm rot="5400000" flipH="1" flipV="1">
-            <a:off x="755576" y="2600908"/>
-            <a:ext cx="4680520" cy="3168352"/>
-          </a:xfrm>
-          <a:prstGeom prst="bentConnector5">
-            <a:avLst>
-              <a:gd name="adj1" fmla="val -4884"/>
-              <a:gd name="adj2" fmla="val 50000"/>
-              <a:gd name="adj3" fmla="val 104884"/>
-            </a:avLst>
-          </a:prstGeom>
-          <a:ln>
-            <a:tailEnd type="arrow"/>
-          </a:ln>
-        </p:spPr>
-        <p:style>
-          <a:lnRef idx="1">
-            <a:schemeClr val="accent1"/>
-          </a:lnRef>
-          <a:fillRef idx="0">
-            <a:schemeClr val="accent1"/>
-          </a:fillRef>
-          <a:effectRef idx="0">
-            <a:schemeClr val="accent1"/>
-          </a:effectRef>
-          <a:fontRef idx="minor">
-            <a:schemeClr val="tx1"/>
-          </a:fontRef>
-        </p:style>
-      </p:cxnSp>
-      <p:cxnSp>
-        <p:nvCxnSpPr>
-          <p:cNvPr id="72" name="Прямая соединительная линия 71"/>
-          <p:cNvCxnSpPr>
-            <a:stCxn id="15" idx="2"/>
-            <a:endCxn id="19" idx="0"/>
-          </p:cNvCxnSpPr>
-          <p:nvPr/>
-        </p:nvCxnSpPr>
-        <p:spPr>
-          <a:xfrm>
-            <a:off x="4680012" y="2708920"/>
-            <a:ext cx="0" cy="270030"/>
-          </a:xfrm>
-          <a:prstGeom prst="line">
-            <a:avLst/>
-          </a:prstGeom>
-        </p:spPr>
-        <p:style>
-          <a:lnRef idx="1">
-            <a:schemeClr val="accent1"/>
-          </a:lnRef>
-          <a:fillRef idx="0">
-            <a:schemeClr val="accent1"/>
-          </a:fillRef>
-          <a:effectRef idx="0">
-            <a:schemeClr val="accent1"/>
-          </a:effectRef>
-          <a:fontRef idx="minor">
-            <a:schemeClr val="tx1"/>
-          </a:fontRef>
-        </p:style>
-      </p:cxnSp>
-      <p:cxnSp>
-        <p:nvCxnSpPr>
-          <p:cNvPr id="74" name="Прямая соединительная линия 73"/>
-          <p:cNvCxnSpPr>
-            <a:stCxn id="19" idx="2"/>
-            <a:endCxn id="21" idx="0"/>
-          </p:cNvCxnSpPr>
-          <p:nvPr/>
-        </p:nvCxnSpPr>
-        <p:spPr>
-          <a:xfrm>
-            <a:off x="4680012" y="3555014"/>
-            <a:ext cx="0" cy="270030"/>
-          </a:xfrm>
-          <a:prstGeom prst="line">
-            <a:avLst/>
-          </a:prstGeom>
-        </p:spPr>
-        <p:style>
-          <a:lnRef idx="1">
-            <a:schemeClr val="accent1"/>
-          </a:lnRef>
-          <a:fillRef idx="0">
-            <a:schemeClr val="accent1"/>
-          </a:fillRef>
-          <a:effectRef idx="0">
-            <a:schemeClr val="accent1"/>
-          </a:effectRef>
-          <a:fontRef idx="minor">
-            <a:schemeClr val="tx1"/>
-          </a:fontRef>
-        </p:style>
-      </p:cxnSp>
-      <p:cxnSp>
-        <p:nvCxnSpPr>
-          <p:cNvPr id="76" name="Прямая соединительная линия 75"/>
-          <p:cNvCxnSpPr>
-            <a:stCxn id="21" idx="2"/>
-            <a:endCxn id="26" idx="0"/>
-          </p:cNvCxnSpPr>
-          <p:nvPr/>
-        </p:nvCxnSpPr>
-        <p:spPr>
-          <a:xfrm>
-            <a:off x="4680012" y="4617132"/>
-            <a:ext cx="0" cy="270030"/>
-          </a:xfrm>
-          <a:prstGeom prst="line">
-            <a:avLst/>
-          </a:prstGeom>
-        </p:spPr>
-        <p:style>
-          <a:lnRef idx="1">
-            <a:schemeClr val="accent1"/>
-          </a:lnRef>
-          <a:fillRef idx="0">
-            <a:schemeClr val="accent1"/>
-          </a:fillRef>
-          <a:effectRef idx="0">
-            <a:schemeClr val="accent1"/>
-          </a:effectRef>
-          <a:fontRef idx="minor">
-            <a:schemeClr val="tx1"/>
-          </a:fontRef>
-        </p:style>
-      </p:cxnSp>
-      <p:cxnSp>
-        <p:nvCxnSpPr>
-          <p:cNvPr id="84" name="Прямая соединительная линия 83"/>
-          <p:cNvCxnSpPr>
-            <a:stCxn id="26" idx="2"/>
-            <a:endCxn id="24" idx="1"/>
-          </p:cNvCxnSpPr>
-          <p:nvPr/>
-        </p:nvCxnSpPr>
-        <p:spPr>
-          <a:xfrm>
-            <a:off x="4680012" y="5463226"/>
-            <a:ext cx="0" cy="305163"/>
-          </a:xfrm>
-          <a:prstGeom prst="line">
-            <a:avLst/>
-          </a:prstGeom>
-        </p:spPr>
-        <p:style>
-          <a:lnRef idx="1">
-            <a:schemeClr val="accent1"/>
-          </a:lnRef>
-          <a:fillRef idx="0">
-            <a:schemeClr val="accent1"/>
-          </a:fillRef>
-          <a:effectRef idx="0">
-            <a:schemeClr val="accent1"/>
-          </a:effectRef>
-          <a:fontRef idx="minor">
-            <a:schemeClr val="tx1"/>
-          </a:fontRef>
-        </p:style>
-      </p:cxnSp>
-      <p:cxnSp>
-        <p:nvCxnSpPr>
-          <p:cNvPr id="88" name="Shape 87"/>
-          <p:cNvCxnSpPr>
-            <a:stCxn id="24" idx="3"/>
-            <a:endCxn id="32" idx="0"/>
-          </p:cNvCxnSpPr>
-          <p:nvPr/>
-        </p:nvCxnSpPr>
-        <p:spPr>
-          <a:xfrm rot="5400000" flipH="1" flipV="1">
-            <a:off x="3906361" y="2618475"/>
-            <a:ext cx="4499629" cy="2952328"/>
-          </a:xfrm>
-          <a:prstGeom prst="bentConnector5">
-            <a:avLst>
-              <a:gd name="adj1" fmla="val -5080"/>
-              <a:gd name="adj2" fmla="val 50000"/>
-              <a:gd name="adj3" fmla="val 105080"/>
-            </a:avLst>
-          </a:prstGeom>
-          <a:ln>
-            <a:tailEnd type="arrow"/>
-          </a:ln>
-        </p:spPr>
-        <p:style>
-          <a:lnRef idx="1">
-            <a:schemeClr val="accent1"/>
-          </a:lnRef>
-          <a:fillRef idx="0">
-            <a:schemeClr val="accent1"/>
-          </a:fillRef>
-          <a:effectRef idx="0">
-            <a:schemeClr val="accent1"/>
-          </a:effectRef>
-          <a:fontRef idx="minor">
-            <a:schemeClr val="tx1"/>
-          </a:fontRef>
-        </p:style>
-      </p:cxnSp>
-      <p:cxnSp>
-        <p:nvCxnSpPr>
-          <p:cNvPr id="90" name="Прямая соединительная линия 89"/>
-          <p:cNvCxnSpPr>
-            <a:stCxn id="32" idx="2"/>
-            <a:endCxn id="33" idx="0"/>
-          </p:cNvCxnSpPr>
-          <p:nvPr/>
-        </p:nvCxnSpPr>
-        <p:spPr>
-          <a:xfrm>
-            <a:off x="7632340" y="2564904"/>
-            <a:ext cx="0" cy="432048"/>
-          </a:xfrm>
-          <a:prstGeom prst="line">
-            <a:avLst/>
-          </a:prstGeom>
-        </p:spPr>
-        <p:style>
-          <a:lnRef idx="1">
-            <a:schemeClr val="accent1"/>
-          </a:lnRef>
-          <a:fillRef idx="0">
-            <a:schemeClr val="accent1"/>
-          </a:fillRef>
-          <a:effectRef idx="0">
-            <a:schemeClr val="accent1"/>
-          </a:effectRef>
-          <a:fontRef idx="minor">
-            <a:schemeClr val="tx1"/>
-          </a:fontRef>
-        </p:style>
-      </p:cxnSp>
-      <p:cxnSp>
-        <p:nvCxnSpPr>
-          <p:cNvPr id="97" name="Прямая соединительная линия 96"/>
-          <p:cNvCxnSpPr>
-            <a:stCxn id="36" idx="1"/>
-            <a:endCxn id="33" idx="2"/>
-          </p:cNvCxnSpPr>
-          <p:nvPr/>
-        </p:nvCxnSpPr>
-        <p:spPr>
-          <a:xfrm flipV="1">
-            <a:off x="7632340" y="4077072"/>
-            <a:ext cx="0" cy="496054"/>
-          </a:xfrm>
-          <a:prstGeom prst="line">
-            <a:avLst/>
-          </a:prstGeom>
-        </p:spPr>
-        <p:style>
-          <a:lnRef idx="1">
-            <a:schemeClr val="accent1"/>
-          </a:lnRef>
-          <a:fillRef idx="0">
-            <a:schemeClr val="accent1"/>
-          </a:fillRef>
-          <a:effectRef idx="0">
-            <a:schemeClr val="accent1"/>
-          </a:effectRef>
-          <a:fontRef idx="minor">
-            <a:schemeClr val="tx1"/>
-          </a:fontRef>
-        </p:style>
-      </p:cxnSp>
-      <p:cxnSp>
-        <p:nvCxnSpPr>
-          <p:cNvPr id="104" name="Прямая соединительная линия 103"/>
-          <p:cNvCxnSpPr>
-            <a:stCxn id="36" idx="3"/>
-            <a:endCxn id="38" idx="0"/>
-          </p:cNvCxnSpPr>
-          <p:nvPr/>
-        </p:nvCxnSpPr>
-        <p:spPr>
-          <a:xfrm>
-            <a:off x="7632340" y="5269204"/>
-            <a:ext cx="0" cy="392044"/>
-          </a:xfrm>
-          <a:prstGeom prst="line">
-            <a:avLst/>
-          </a:prstGeom>
-        </p:spPr>
-        <p:style>
-          <a:lnRef idx="1">
-            <a:schemeClr val="accent1"/>
-          </a:lnRef>
-          <a:fillRef idx="0">
-            <a:schemeClr val="accent1"/>
-          </a:fillRef>
-          <a:effectRef idx="0">
-            <a:schemeClr val="accent1"/>
-          </a:effectRef>
-          <a:fontRef idx="minor">
-            <a:schemeClr val="tx1"/>
-          </a:fontRef>
-        </p:style>
-      </p:cxnSp>
+      </p:pic>
     </p:spTree>
   </p:cSld>
   <p:clrMapOvr>
@@ -5788,12 +4236,12 @@
           <p:nvPr/>
         </p:nvGraphicFramePr>
         <p:xfrm>
-          <a:off x="323528" y="5733256"/>
-          <a:ext cx="3462338" cy="1065213"/>
+          <a:off x="301625" y="5732463"/>
+          <a:ext cx="3508375" cy="1066800"/>
         </p:xfrm>
         <a:graphic>
           <a:graphicData uri="http://schemas.openxmlformats.org/presentationml/2006/ole">
-            <p:oleObj spid="_x0000_s54278" name="Equation" r:id="rId6" imgW="1892160" imgH="482400" progId="Equation.3">
+            <p:oleObj spid="_x0000_s54278" name="Формула" r:id="rId6" imgW="1917360" imgH="482400" progId="Equation.3">
               <p:embed/>
             </p:oleObj>
           </a:graphicData>
@@ -5865,7 +4313,7 @@
         </p:xfrm>
         <a:graphic>
           <a:graphicData uri="http://schemas.openxmlformats.org/presentationml/2006/ole">
-            <p:oleObj spid="_x0000_s54280" name="Equation" r:id="rId8" imgW="1143000" imgH="228600" progId="Equation.3">
+            <p:oleObj spid="_x0000_s54280" name="Формула" r:id="rId8" imgW="1143000" imgH="228600" progId="Equation.3">
               <p:embed/>
             </p:oleObj>
           </a:graphicData>
@@ -5923,14 +4371,7 @@
             <a:pPr algn="ctr"/>
             <a:r>
               <a:rPr lang="ru-RU" dirty="0" smtClean="0"/>
-              <a:t>Структура ПО</a:t>
-            </a:r>
-            <a:br>
-              <a:rPr lang="ru-RU" dirty="0" smtClean="0"/>
-            </a:br>
-            <a:r>
-              <a:rPr lang="ru-RU" smtClean="0"/>
-              <a:t>(переделаю)</a:t>
+              <a:t>Диаграмма компонентов разработанного ПО</a:t>
             </a:r>
             <a:endParaRPr lang="ru-RU" dirty="0"/>
           </a:p>
@@ -5962,7 +4403,7 @@
       </p:sp>
       <p:pic>
         <p:nvPicPr>
-          <p:cNvPr id="5" name="Рисунок 4" descr="Структура ПО.png"/>
+          <p:cNvPr id="6" name="Рисунок 5" descr="components.png"/>
           <p:cNvPicPr>
             <a:picLocks noChangeAspect="1"/>
           </p:cNvPicPr>
@@ -5976,151 +4417,14 @@
         </p:blipFill>
         <p:spPr>
           <a:xfrm>
-            <a:off x="107504" y="1714866"/>
-            <a:ext cx="6156176" cy="4666462"/>
+            <a:off x="0" y="2285992"/>
+            <a:ext cx="9144000" cy="3333218"/>
           </a:xfrm>
           <a:prstGeom prst="rect">
             <a:avLst/>
           </a:prstGeom>
         </p:spPr>
       </p:pic>
-      <p:sp>
-        <p:nvSpPr>
-          <p:cNvPr id="7" name="TextBox 6"/>
-          <p:cNvSpPr txBox="1"/>
-          <p:nvPr/>
-        </p:nvSpPr>
-        <p:spPr>
-          <a:xfrm>
-            <a:off x="5940152" y="1916832"/>
-            <a:ext cx="2880320" cy="4801314"/>
-          </a:xfrm>
-          <a:prstGeom prst="rect">
-            <a:avLst/>
-          </a:prstGeom>
-          <a:noFill/>
-        </p:spPr>
-        <p:txBody>
-          <a:bodyPr wrap="square" rtlCol="0">
-            <a:spAutoFit/>
-          </a:bodyPr>
-          <a:lstStyle/>
-          <a:p>
-            <a:r>
-              <a:rPr lang="ru-RU" sz="2400" b="1" dirty="0" smtClean="0">
-                <a:latin typeface="Times New Roman" pitchFamily="18" charset="0"/>
-                <a:cs typeface="Times New Roman" pitchFamily="18" charset="0"/>
-              </a:rPr>
-              <a:t>Используемые библиотеки</a:t>
-            </a:r>
-          </a:p>
-          <a:p>
-            <a:pPr>
-              <a:buFont typeface="Arial" pitchFamily="34" charset="0"/>
-              <a:buChar char="•"/>
-            </a:pPr>
-            <a:r>
-              <a:rPr lang="ru-RU" sz="2400" dirty="0" smtClean="0">
-                <a:latin typeface="Times New Roman" pitchFamily="18" charset="0"/>
-                <a:cs typeface="Times New Roman" pitchFamily="18" charset="0"/>
-              </a:rPr>
-              <a:t>Для работы с графикой</a:t>
-            </a:r>
-          </a:p>
-          <a:p>
-            <a:pPr lvl="1"/>
-            <a:r>
-              <a:rPr lang="en-US" sz="2400" i="1" dirty="0" err="1" smtClean="0">
-                <a:solidFill>
-                  <a:srgbClr val="002060"/>
-                </a:solidFill>
-                <a:latin typeface="Times New Roman" pitchFamily="18" charset="0"/>
-                <a:cs typeface="Times New Roman" pitchFamily="18" charset="0"/>
-              </a:rPr>
-              <a:t>OpenCV</a:t>
-            </a:r>
-            <a:endParaRPr lang="en-US" sz="2400" i="1" dirty="0" smtClean="0">
-              <a:solidFill>
-                <a:srgbClr val="002060"/>
-              </a:solidFill>
-              <a:latin typeface="Times New Roman" pitchFamily="18" charset="0"/>
-              <a:cs typeface="Times New Roman" pitchFamily="18" charset="0"/>
-            </a:endParaRPr>
-          </a:p>
-          <a:p>
-            <a:pPr>
-              <a:buFont typeface="Arial" pitchFamily="34" charset="0"/>
-              <a:buChar char="•"/>
-            </a:pPr>
-            <a:r>
-              <a:rPr lang="ru-RU" sz="2400" dirty="0" smtClean="0">
-                <a:latin typeface="Times New Roman" pitchFamily="18" charset="0"/>
-                <a:cs typeface="Times New Roman" pitchFamily="18" charset="0"/>
-              </a:rPr>
-              <a:t>Для работы с матрицами</a:t>
-            </a:r>
-          </a:p>
-          <a:p>
-            <a:pPr lvl="1"/>
-            <a:r>
-              <a:rPr lang="en-US" sz="2400" i="1" dirty="0" smtClean="0">
-                <a:solidFill>
-                  <a:srgbClr val="002060"/>
-                </a:solidFill>
-                <a:latin typeface="Times New Roman" pitchFamily="18" charset="0"/>
-                <a:cs typeface="Times New Roman" pitchFamily="18" charset="0"/>
-              </a:rPr>
-              <a:t>Eigen</a:t>
-            </a:r>
-          </a:p>
-          <a:p>
-            <a:pPr>
-              <a:buFont typeface="Arial" pitchFamily="34" charset="0"/>
-              <a:buChar char="•"/>
-            </a:pPr>
-            <a:r>
-              <a:rPr lang="ru-RU" sz="2400" dirty="0" smtClean="0">
-                <a:latin typeface="Times New Roman" pitchFamily="18" charset="0"/>
-                <a:cs typeface="Times New Roman" pitchFamily="18" charset="0"/>
-              </a:rPr>
-              <a:t>Для работы с генераторами случайных чисел</a:t>
-            </a:r>
-          </a:p>
-          <a:p>
-            <a:pPr lvl="1"/>
-            <a:r>
-              <a:rPr lang="en-US" sz="2400" i="1" dirty="0" smtClean="0">
-                <a:solidFill>
-                  <a:srgbClr val="002060"/>
-                </a:solidFill>
-                <a:latin typeface="Times New Roman" pitchFamily="18" charset="0"/>
-                <a:cs typeface="Times New Roman" pitchFamily="18" charset="0"/>
-              </a:rPr>
-              <a:t>Boost</a:t>
-            </a:r>
-            <a:r>
-              <a:rPr lang="ru-RU" sz="2400" i="1" dirty="0" smtClean="0">
-                <a:solidFill>
-                  <a:srgbClr val="002060"/>
-                </a:solidFill>
-                <a:latin typeface="Times New Roman" pitchFamily="18" charset="0"/>
-                <a:cs typeface="Times New Roman" pitchFamily="18" charset="0"/>
-              </a:rPr>
-              <a:t> </a:t>
-            </a:r>
-            <a:endParaRPr lang="en-US" sz="2400" i="1" dirty="0" smtClean="0">
-              <a:solidFill>
-                <a:srgbClr val="002060"/>
-              </a:solidFill>
-              <a:latin typeface="Times New Roman" pitchFamily="18" charset="0"/>
-              <a:cs typeface="Times New Roman" pitchFamily="18" charset="0"/>
-            </a:endParaRPr>
-          </a:p>
-          <a:p>
-            <a:endParaRPr lang="ru-RU" dirty="0"/>
-          </a:p>
-        </p:txBody>
-      </p:sp>
     </p:spTree>
   </p:cSld>
   <p:clrMapOvr>
@@ -6177,29 +4481,6 @@
           </a:p>
         </p:txBody>
       </p:sp>
-      <p:pic>
-        <p:nvPicPr>
-          <p:cNvPr id="20" name="Содержимое 19" descr="compare.jpg"/>
-          <p:cNvPicPr>
-            <a:picLocks noGrp="1" noChangeAspect="1"/>
-          </p:cNvPicPr>
-          <p:nvPr>
-            <p:ph idx="1"/>
-          </p:nvPr>
-        </p:nvPicPr>
-        <p:blipFill>
-          <a:blip r:embed="rId4" cstate="print"/>
-          <a:stretch>
-            <a:fillRect/>
-          </a:stretch>
-        </p:blipFill>
-        <p:spPr>
-          <a:xfrm>
-            <a:off x="2657475" y="1428736"/>
-            <a:ext cx="6486525" cy="4200525"/>
-          </a:xfrm>
-        </p:spPr>
-      </p:pic>
       <p:sp>
         <p:nvSpPr>
           <p:cNvPr id="4" name="Номер слайда 3"/>
@@ -6238,7 +4519,7 @@
         </p:xfrm>
         <a:graphic>
           <a:graphicData uri="http://schemas.openxmlformats.org/presentationml/2006/ole">
-            <p:oleObj spid="_x0000_s56322" name="Equation" r:id="rId5" imgW="1193760" imgH="444240" progId="Equation.3">
+            <p:oleObj spid="_x0000_s56322" name="Equation" r:id="rId4" imgW="1193760" imgH="444240" progId="Equation.3">
               <p:embed/>
             </p:oleObj>
           </a:graphicData>
@@ -6300,7 +4581,7 @@
         </p:xfrm>
         <a:graphic>
           <a:graphicData uri="http://schemas.openxmlformats.org/presentationml/2006/ole">
-            <p:oleObj spid="_x0000_s56323" name="Equation" r:id="rId6" imgW="190440" imgH="228600" progId="Equation.3">
+            <p:oleObj spid="_x0000_s56323" name="Equation" r:id="rId5" imgW="190440" imgH="228600" progId="Equation.3">
               <p:embed/>
             </p:oleObj>
           </a:graphicData>
@@ -6363,7 +4644,7 @@
         </p:xfrm>
         <a:graphic>
           <a:graphicData uri="http://schemas.openxmlformats.org/presentationml/2006/ole">
-            <p:oleObj spid="_x0000_s56324" name="Equation" r:id="rId7" imgW="266400" imgH="241200" progId="Equation.3">
+            <p:oleObj spid="_x0000_s56324" name="Equation" r:id="rId6" imgW="266400" imgH="241200" progId="Equation.3">
               <p:embed/>
             </p:oleObj>
           </a:graphicData>
@@ -6425,7 +4706,7 @@
         </p:xfrm>
         <a:graphic>
           <a:graphicData uri="http://schemas.openxmlformats.org/presentationml/2006/ole">
-            <p:oleObj spid="_x0000_s56325" name="Equation" r:id="rId8" imgW="190440" imgH="215640" progId="Equation.3">
+            <p:oleObj spid="_x0000_s56325" name="Equation" r:id="rId7" imgW="190440" imgH="215640" progId="Equation.3">
               <p:embed/>
             </p:oleObj>
           </a:graphicData>
@@ -6487,7 +4768,7 @@
         </p:xfrm>
         <a:graphic>
           <a:graphicData uri="http://schemas.openxmlformats.org/presentationml/2006/ole">
-            <p:oleObj spid="_x0000_s56327" name="Equation" r:id="rId9" imgW="545760" imgH="228600" progId="Equation.3">
+            <p:oleObj spid="_x0000_s56327" name="Equation" r:id="rId8" imgW="545760" imgH="228600" progId="Equation.3">
               <p:embed/>
             </p:oleObj>
           </a:graphicData>
@@ -6545,12 +4826,12 @@
           <p:nvPr/>
         </p:nvGraphicFramePr>
         <p:xfrm>
-          <a:off x="315913" y="6324600"/>
-          <a:ext cx="2130425" cy="292100"/>
+          <a:off x="3921134" y="5656849"/>
+          <a:ext cx="2008188" cy="357187"/>
         </p:xfrm>
         <a:graphic>
           <a:graphicData uri="http://schemas.openxmlformats.org/presentationml/2006/ole">
-            <p:oleObj spid="_x0000_s56328" name="Equation" r:id="rId10" imgW="1485720" imgH="241200" progId="Equation.3">
+            <p:oleObj spid="_x0000_s56328" name="Формула" r:id="rId9" imgW="1511280" imgH="241200" progId="Equation.3">
               <p:embed/>
             </p:oleObj>
           </a:graphicData>
@@ -6570,7 +4851,7 @@
         </p:xfrm>
         <a:graphic>
           <a:graphicData uri="http://schemas.openxmlformats.org/presentationml/2006/ole">
-            <p:oleObj spid="_x0000_s56329" name="Equation" r:id="rId11" imgW="126720" imgH="139680" progId="Equation.3">
+            <p:oleObj spid="_x0000_s56329" name="Equation" r:id="rId10" imgW="126720" imgH="139680" progId="Equation.3">
               <p:embed/>
             </p:oleObj>
           </a:graphicData>
@@ -6584,8 +4865,8 @@
         </p:nvSpPr>
         <p:spPr>
           <a:xfrm>
-            <a:off x="2411761" y="6237312"/>
-            <a:ext cx="3672407" cy="584775"/>
+            <a:off x="5857885" y="5656849"/>
+            <a:ext cx="2857520" cy="830997"/>
           </a:xfrm>
           <a:prstGeom prst="rect">
             <a:avLst/>
@@ -6603,7 +4884,21 @@
                 <a:latin typeface="Times New Roman" pitchFamily="18" charset="0"/>
                 <a:cs typeface="Times New Roman" pitchFamily="18" charset="0"/>
               </a:rPr>
-              <a:t>– количество кадров, на которых объект    успешно определен</a:t>
+              <a:t>– количество кадров, на которых </a:t>
+            </a:r>
+            <a:r>
+              <a:rPr lang="ru-RU" sz="1600" dirty="0" smtClean="0">
+                <a:latin typeface="Times New Roman" pitchFamily="18" charset="0"/>
+                <a:cs typeface="Times New Roman" pitchFamily="18" charset="0"/>
+              </a:rPr>
+              <a:t>объект успешно </a:t>
+            </a:r>
+            <a:r>
+              <a:rPr lang="ru-RU" sz="1600" dirty="0" smtClean="0">
+                <a:latin typeface="Times New Roman" pitchFamily="18" charset="0"/>
+                <a:cs typeface="Times New Roman" pitchFamily="18" charset="0"/>
+              </a:rPr>
+              <a:t>определен</a:t>
             </a:r>
             <a:endParaRPr lang="ru-RU" sz="1600" dirty="0">
               <a:latin typeface="Times New Roman" pitchFamily="18" charset="0"/>
@@ -6621,12 +4916,12 @@
           <p:nvPr/>
         </p:nvGraphicFramePr>
         <p:xfrm>
-          <a:off x="6442529" y="5752222"/>
+          <a:off x="6442529" y="4918658"/>
           <a:ext cx="215009" cy="238125"/>
         </p:xfrm>
         <a:graphic>
           <a:graphicData uri="http://schemas.openxmlformats.org/presentationml/2006/ole">
-            <p:oleObj spid="_x0000_s56330" name="Equation" r:id="rId12" imgW="126720" imgH="139680" progId="Equation.3">
+            <p:oleObj spid="_x0000_s56330" name="Equation" r:id="rId11" imgW="126720" imgH="139680" progId="Equation.3">
               <p:embed/>
             </p:oleObj>
           </a:graphicData>
@@ -6640,7 +4935,7 @@
         </p:nvSpPr>
         <p:spPr>
           <a:xfrm>
-            <a:off x="6658554" y="5630307"/>
+            <a:off x="6658554" y="4857760"/>
             <a:ext cx="2271164" cy="584775"/>
           </a:xfrm>
           <a:prstGeom prst="rect">
@@ -6677,12 +4972,12 @@
           <p:nvPr/>
         </p:nvGraphicFramePr>
         <p:xfrm>
-          <a:off x="3929058" y="5715016"/>
+          <a:off x="3929058" y="4905657"/>
           <a:ext cx="366723" cy="251126"/>
         </p:xfrm>
         <a:graphic>
           <a:graphicData uri="http://schemas.openxmlformats.org/presentationml/2006/ole">
-            <p:oleObj spid="_x0000_s56331" name="Формула" r:id="rId13" imgW="203040" imgH="164880" progId="Equation.3">
+            <p:oleObj spid="_x0000_s56331" name="Формула" r:id="rId12" imgW="203040" imgH="164880" progId="Equation.3">
               <p:embed/>
             </p:oleObj>
           </a:graphicData>
@@ -6696,7 +4991,7 @@
         </p:nvSpPr>
         <p:spPr>
           <a:xfrm>
-            <a:off x="4214810" y="5643578"/>
+            <a:off x="4214810" y="4871031"/>
             <a:ext cx="2000264" cy="584775"/>
           </a:xfrm>
           <a:prstGeom prst="rect">
@@ -6733,6 +5028,30 @@
           </a:p>
         </p:txBody>
       </p:sp>
+      <p:pic>
+        <p:nvPicPr>
+          <p:cNvPr id="25" name="Рисунок 24" descr="illustartionF.jpg"/>
+          <p:cNvPicPr>
+            <a:picLocks noChangeAspect="1"/>
+          </p:cNvPicPr>
+          <p:nvPr/>
+        </p:nvPicPr>
+        <p:blipFill>
+          <a:blip r:embed="rId13" cstate="print"/>
+          <a:stretch>
+            <a:fillRect/>
+          </a:stretch>
+        </p:blipFill>
+        <p:spPr>
+          <a:xfrm>
+            <a:off x="2926662" y="1643050"/>
+            <a:ext cx="6046304" cy="3071834"/>
+          </a:xfrm>
+          <a:prstGeom prst="rect">
+            <a:avLst/>
+          </a:prstGeom>
+        </p:spPr>
+      </p:pic>
     </p:spTree>
   </p:cSld>
   <p:clrMapOvr>
@@ -14881,12 +13200,18 @@
         </p:nvSpPr>
         <p:spPr/>
         <p:txBody>
-          <a:bodyPr/>
+          <a:bodyPr>
+            <a:normAutofit fontScale="90000"/>
+          </a:bodyPr>
           <a:lstStyle/>
           <a:p>
             <a:r>
               <a:rPr lang="ru-RU" dirty="0" smtClean="0"/>
-              <a:t>Время обнаружения объекта</a:t>
+              <a:t>Время обнаружения </a:t>
+            </a:r>
+            <a:r>
+              <a:rPr lang="ru-RU" dirty="0" smtClean="0"/>
+              <a:t>объекта после инициализации</a:t>
             </a:r>
             <a:endParaRPr lang="ru-RU" dirty="0"/>
           </a:p>
@@ -14911,9 +13236,56 @@
           <a:p>
             <a:r>
               <a:rPr lang="ru-RU" sz="2000" dirty="0" smtClean="0"/>
-              <a:t>Количество кадров с начала видеозаписи, за которое фильтр частиц обнаружит объект</a:t>
-            </a:r>
-            <a:endParaRPr lang="ru-RU" sz="2000" dirty="0"/>
+              <a:t>Врем</a:t>
+            </a:r>
+            <a:r>
+              <a:rPr lang="ru-RU" sz="2000" dirty="0" smtClean="0"/>
+              <a:t>я обнаружения — количество кадров с момента инициализации до обнаружения </a:t>
+            </a:r>
+            <a:r>
+              <a:rPr lang="ru-RU" sz="2000" dirty="0" err="1" smtClean="0"/>
+              <a:t>трекером</a:t>
+            </a:r>
+            <a:r>
+              <a:rPr lang="ru-RU" sz="2000" dirty="0" smtClean="0"/>
+              <a:t> объекта</a:t>
+            </a:r>
+            <a:endParaRPr lang="ru-RU" sz="2000" dirty="0" smtClean="0"/>
+          </a:p>
+          <a:p>
+            <a:r>
+              <a:rPr lang="ru-RU" sz="2000" dirty="0" smtClean="0"/>
+              <a:t>Способы инициализации:</a:t>
+            </a:r>
+          </a:p>
+          <a:p>
+            <a:pPr lvl="1"/>
+            <a:r>
+              <a:rPr lang="ru-RU" sz="1600" dirty="0" smtClean="0"/>
+              <a:t>п</a:t>
+            </a:r>
+            <a:r>
+              <a:rPr lang="ru-RU" sz="1600" dirty="0" smtClean="0"/>
+              <a:t>оложение объекта на первом кадре задано вручную, частицы сгруппированы вокруг объекта (время обнаружения равно 0);</a:t>
+            </a:r>
+          </a:p>
+          <a:p>
+            <a:pPr lvl="1"/>
+            <a:r>
+              <a:rPr lang="ru-RU" sz="1600" dirty="0" smtClean="0"/>
+              <a:t>п</a:t>
+            </a:r>
+            <a:r>
+              <a:rPr lang="ru-RU" sz="1600" dirty="0" smtClean="0"/>
+              <a:t>оложение объекта неизвестно, частицы равномерно распределены по всей области кадра</a:t>
+            </a:r>
+            <a:endParaRPr lang="ru-RU" sz="1600" dirty="0"/>
+          </a:p>
+          <a:p>
+            <a:r>
+              <a:rPr lang="ru-RU" sz="2000" dirty="0" smtClean="0"/>
+              <a:t>При некорректном задании положения объекта частицы будут сгруппированы вокруг точки, не относящейся к объекту</a:t>
+            </a:r>
           </a:p>
         </p:txBody>
       </p:sp>
@@ -14950,8 +13322,8 @@
           <p:nvPr/>
         </p:nvGraphicFramePr>
         <p:xfrm>
-          <a:off x="1547834" y="2803214"/>
-          <a:ext cx="6096000" cy="1554480"/>
+          <a:off x="1500166" y="4643446"/>
+          <a:ext cx="6096000" cy="1838960"/>
         </p:xfrm>
         <a:graphic>
           <a:graphicData uri="http://schemas.openxmlformats.org/drawingml/2006/table">
@@ -14965,7 +13337,7 @@
                 <a:gridCol w="2032000"/>
               </a:tblGrid>
               <a:tr h="370840">
-                <a:tc>
+                <a:tc rowSpan="2">
                   <a:txBody>
                     <a:bodyPr/>
                     <a:lstStyle/>
@@ -14978,6 +13350,76 @@
                         </a:rPr>
                         <a:t>Исходное положение частиц</a:t>
                       </a:r>
+                      <a:endParaRPr lang="ru-RU" sz="1200" b="1" dirty="0">
+                        <a:latin typeface="Times New Roman" pitchFamily="18" charset="0"/>
+                        <a:cs typeface="Times New Roman" pitchFamily="18" charset="0"/>
+                      </a:endParaRPr>
+                    </a:p>
+                  </a:txBody>
+                  <a:tcPr anchor="ctr">
+                    <a:solidFill>
+                      <a:schemeClr val="bg2"/>
+                    </a:solidFill>
+                  </a:tcPr>
+                </a:tc>
+                <a:tc gridSpan="2">
+                  <a:txBody>
+                    <a:bodyPr/>
+                    <a:lstStyle/>
+                    <a:p>
+                      <a:pPr algn="ctr"/>
+                      <a:r>
+                        <a:rPr lang="ru-RU" sz="1200" b="1" dirty="0" smtClean="0">
+                          <a:latin typeface="Times New Roman" pitchFamily="18" charset="0"/>
+                          <a:cs typeface="Times New Roman" pitchFamily="18" charset="0"/>
+                        </a:rPr>
+                        <a:t>Время</a:t>
+                      </a:r>
+                      <a:r>
+                        <a:rPr lang="ru-RU" sz="1200" b="1" baseline="0" dirty="0" smtClean="0">
+                          <a:latin typeface="Times New Roman" pitchFamily="18" charset="0"/>
+                          <a:cs typeface="Times New Roman" pitchFamily="18" charset="0"/>
+                        </a:rPr>
+                        <a:t> обнаружения объекта (в кадрах)</a:t>
+                      </a:r>
+                      <a:endParaRPr lang="ru-RU" sz="1200" b="1" dirty="0">
+                        <a:latin typeface="Times New Roman" pitchFamily="18" charset="0"/>
+                        <a:cs typeface="Times New Roman" pitchFamily="18" charset="0"/>
+                      </a:endParaRPr>
+                    </a:p>
+                  </a:txBody>
+                  <a:tcPr anchor="ctr">
+                    <a:solidFill>
+                      <a:schemeClr val="bg2"/>
+                    </a:solidFill>
+                  </a:tcPr>
+                </a:tc>
+                <a:tc hMerge="1">
+                  <a:txBody>
+                    <a:bodyPr/>
+                    <a:lstStyle/>
+                    <a:p>
+                      <a:pPr algn="ctr"/>
+                      <a:endParaRPr lang="ru-RU" sz="1200" b="1" dirty="0">
+                        <a:latin typeface="Times New Roman" pitchFamily="18" charset="0"/>
+                        <a:cs typeface="Times New Roman" pitchFamily="18" charset="0"/>
+                      </a:endParaRPr>
+                    </a:p>
+                  </a:txBody>
+                  <a:tcPr anchor="ctr">
+                    <a:solidFill>
+                      <a:schemeClr val="bg2"/>
+                    </a:solidFill>
+                  </a:tcPr>
+                </a:tc>
+              </a:tr>
+              <a:tr h="370840">
+                <a:tc vMerge="1">
+                  <a:txBody>
+                    <a:bodyPr/>
+                    <a:lstStyle/>
+                    <a:p>
+                      <a:pPr algn="ctr"/>
                       <a:endParaRPr lang="ru-RU" sz="1200" b="1" dirty="0">
                         <a:latin typeface="Times New Roman" pitchFamily="18" charset="0"/>
                         <a:cs typeface="Times New Roman" pitchFamily="18" charset="0"/>
@@ -15093,6 +13535,13 @@
                         </a:rPr>
                         <a:t>39,51</a:t>
                       </a:r>
+                      <a:r>
+                        <a:rPr lang="en-US" sz="1200" baseline="0" dirty="0" smtClean="0">
+                          <a:latin typeface="Times New Roman" pitchFamily="18" charset="0"/>
+                          <a:cs typeface="Times New Roman" pitchFamily="18" charset="0"/>
+                        </a:rPr>
+                        <a:t> ± 22,3</a:t>
+                      </a:r>
                       <a:endParaRPr lang="ru-RU" sz="1200" dirty="0">
                         <a:latin typeface="Times New Roman" pitchFamily="18" charset="0"/>
                         <a:cs typeface="Times New Roman" pitchFamily="18" charset="0"/>
@@ -15112,7 +13561,14 @@
                           <a:latin typeface="Times New Roman" pitchFamily="18" charset="0"/>
                           <a:cs typeface="Times New Roman" pitchFamily="18" charset="0"/>
                         </a:rPr>
-                        <a:t>2,25</a:t>
+                        <a:t>2,25±</a:t>
+                      </a:r>
+                      <a:r>
+                        <a:rPr lang="en-US" sz="1200" dirty="0" smtClean="0">
+                          <a:latin typeface="Times New Roman" pitchFamily="18" charset="0"/>
+                          <a:cs typeface="Times New Roman" pitchFamily="18" charset="0"/>
+                        </a:rPr>
+                        <a:t>0,4</a:t>
                       </a:r>
                       <a:endParaRPr lang="ru-RU" sz="1200" dirty="0">
                         <a:latin typeface="Times New Roman" pitchFamily="18" charset="0"/>
@@ -15166,7 +13622,14 @@
                           <a:latin typeface="Times New Roman" pitchFamily="18" charset="0"/>
                           <a:cs typeface="Times New Roman" pitchFamily="18" charset="0"/>
                         </a:rPr>
-                        <a:t>159,53</a:t>
+                        <a:t>159,53±</a:t>
+                      </a:r>
+                      <a:r>
+                        <a:rPr lang="en-US" sz="1200" dirty="0" smtClean="0">
+                          <a:latin typeface="Times New Roman" pitchFamily="18" charset="0"/>
+                          <a:cs typeface="Times New Roman" pitchFamily="18" charset="0"/>
+                        </a:rPr>
+                        <a:t>60,7</a:t>
                       </a:r>
                       <a:endParaRPr lang="ru-RU" sz="1200" dirty="0">
                         <a:latin typeface="Times New Roman" pitchFamily="18" charset="0"/>
@@ -15187,7 +13650,14 @@
                           <a:latin typeface="Times New Roman" pitchFamily="18" charset="0"/>
                           <a:cs typeface="Times New Roman" pitchFamily="18" charset="0"/>
                         </a:rPr>
-                        <a:t>18,99</a:t>
+                        <a:t>18,99±</a:t>
+                      </a:r>
+                      <a:r>
+                        <a:rPr lang="en-US" sz="1200" dirty="0" smtClean="0">
+                          <a:latin typeface="Times New Roman" pitchFamily="18" charset="0"/>
+                          <a:cs typeface="Times New Roman" pitchFamily="18" charset="0"/>
+                        </a:rPr>
+                        <a:t>1,7</a:t>
                       </a:r>
                       <a:endParaRPr lang="ru-RU" sz="1200" dirty="0">
                         <a:latin typeface="Times New Roman" pitchFamily="18" charset="0"/>
@@ -15315,20 +13785,14 @@
             </a:r>
             <a:r>
               <a:rPr lang="ru-RU" dirty="0" smtClean="0"/>
-              <a:t>правляется с частичными и полными перекрытиями </a:t>
-            </a:r>
-            <a:r>
-              <a:rPr lang="ru-RU" dirty="0" smtClean="0"/>
-              <a:t>объекта.</a:t>
-            </a:r>
-            <a:endParaRPr lang="ru-RU" dirty="0" smtClean="0"/>
+              <a:t>правляется с частичными и полными перекрытиями объекта.</a:t>
+            </a:r>
           </a:p>
           <a:p>
             <a:r>
               <a:rPr lang="ru-RU" dirty="0" smtClean="0"/>
               <a:t>Недостатки метода:</a:t>
             </a:r>
-            <a:endParaRPr lang="ru-RU" dirty="0" smtClean="0"/>
           </a:p>
           <a:p>
             <a:pPr lvl="1">
@@ -15341,13 +13805,8 @@
             </a:r>
             <a:r>
               <a:rPr lang="ru-RU" dirty="0" smtClean="0"/>
-              <a:t>ветовая гистограмма объекта должна быть известна заранее и должна отличаться от гистограммы </a:t>
-            </a:r>
-            <a:r>
-              <a:rPr lang="ru-RU" dirty="0" smtClean="0"/>
-              <a:t>фона;</a:t>
-            </a:r>
-            <a:endParaRPr lang="ru-RU" dirty="0" smtClean="0"/>
+              <a:t>ветовая гистограмма объекта должна быть известна заранее и должна отличаться от гистограммы фона;</a:t>
+            </a:r>
           </a:p>
           <a:p>
             <a:pPr lvl="1">
@@ -15360,13 +13819,8 @@
             </a:r>
             <a:r>
               <a:rPr lang="ru-RU" dirty="0" smtClean="0"/>
-              <a:t>ри  наличии в сцене похожих объектов точность отслеживания </a:t>
-            </a:r>
-            <a:r>
-              <a:rPr lang="ru-RU" dirty="0" smtClean="0"/>
-              <a:t>снижается;</a:t>
-            </a:r>
-            <a:endParaRPr lang="ru-RU" dirty="0" smtClean="0"/>
+              <a:t>ри  наличии в сцене похожих объектов точность отслеживания снижается;</a:t>
+            </a:r>
           </a:p>
           <a:p>
             <a:pPr lvl="1">
@@ -15389,7 +13843,6 @@
               <a:rPr lang="ru-RU" dirty="0" smtClean="0"/>
               <a:t>.</a:t>
             </a:r>
-            <a:endParaRPr lang="ru-RU" dirty="0" smtClean="0"/>
           </a:p>
         </p:txBody>
       </p:sp>
@@ -15726,6 +14179,10 @@
           </a:bodyPr>
           <a:lstStyle/>
           <a:p>
+            <a:pPr>
+              <a:buFont typeface="Wingdings" pitchFamily="2" charset="2"/>
+              <a:buChar char="ü"/>
+            </a:pPr>
             <a:r>
               <a:rPr lang="ru-RU" b="1" dirty="0" smtClean="0">
                 <a:solidFill>
@@ -15751,6 +14208,10 @@
             </a:endParaRPr>
           </a:p>
           <a:p>
+            <a:pPr>
+              <a:buFont typeface="Wingdings" pitchFamily="2" charset="2"/>
+              <a:buChar char="ü"/>
+            </a:pPr>
             <a:r>
               <a:rPr lang="ru-RU" b="1" dirty="0" smtClean="0">
                 <a:solidFill>
@@ -16268,9 +14729,33 @@
           </a:p>
         </p:txBody>
       </p:sp>
+      <p:pic>
+        <p:nvPicPr>
+          <p:cNvPr id="24" name="Рисунок 23" descr="idef0_1.jpg"/>
+          <p:cNvPicPr>
+            <a:picLocks noChangeAspect="1"/>
+          </p:cNvPicPr>
+          <p:nvPr/>
+        </p:nvPicPr>
+        <p:blipFill>
+          <a:blip r:embed="rId2" cstate="print"/>
+          <a:stretch>
+            <a:fillRect/>
+          </a:stretch>
+        </p:blipFill>
+        <p:spPr>
+          <a:xfrm>
+            <a:off x="32" y="1643050"/>
+            <a:ext cx="9144000" cy="4439478"/>
+          </a:xfrm>
+          <a:prstGeom prst="rect">
+            <a:avLst/>
+          </a:prstGeom>
+        </p:spPr>
+      </p:pic>
       <p:sp>
         <p:nvSpPr>
-          <p:cNvPr id="4" name="Номер слайда 3"/>
+          <p:cNvPr id="25" name="Номер слайда 24"/>
           <p:cNvSpPr>
             <a:spLocks noGrp="1"/>
           </p:cNvSpPr>
@@ -16289,810 +14774,6 @@
               <a:t>5</a:t>
             </a:fld>
             <a:endParaRPr lang="ru-RU"/>
-          </a:p>
-        </p:txBody>
-      </p:sp>
-      <p:sp>
-        <p:nvSpPr>
-          <p:cNvPr id="5" name="Прямоугольник 4"/>
-          <p:cNvSpPr/>
-          <p:nvPr/>
-        </p:nvSpPr>
-        <p:spPr>
-          <a:xfrm>
-            <a:off x="1403648" y="3068960"/>
-            <a:ext cx="2880320" cy="1440160"/>
-          </a:xfrm>
-          <a:prstGeom prst="rect">
-            <a:avLst/>
-          </a:prstGeom>
-        </p:spPr>
-        <p:style>
-          <a:lnRef idx="2">
-            <a:schemeClr val="accent1">
-              <a:shade val="50000"/>
-            </a:schemeClr>
-          </a:lnRef>
-          <a:fillRef idx="1">
-            <a:schemeClr val="accent1"/>
-          </a:fillRef>
-          <a:effectRef idx="0">
-            <a:schemeClr val="accent1"/>
-          </a:effectRef>
-          <a:fontRef idx="minor">
-            <a:schemeClr val="lt1"/>
-          </a:fontRef>
-        </p:style>
-        <p:txBody>
-          <a:bodyPr rtlCol="0" anchor="ctr"/>
-          <a:lstStyle/>
-          <a:p>
-            <a:pPr algn="ctr"/>
-            <a:r>
-              <a:rPr lang="ru-RU" sz="2400" b="1" dirty="0" smtClean="0">
-                <a:latin typeface="Times New Roman" pitchFamily="18" charset="0"/>
-                <a:cs typeface="Times New Roman" pitchFamily="18" charset="0"/>
-              </a:rPr>
-              <a:t>Предсказать </a:t>
-            </a:r>
-            <a:r>
-              <a:rPr lang="en-US" sz="2400" b="1" dirty="0" err="1" smtClean="0">
-                <a:latin typeface="Times New Roman" pitchFamily="18" charset="0"/>
-                <a:cs typeface="Times New Roman" pitchFamily="18" charset="0"/>
-              </a:rPr>
-              <a:t>pdf</a:t>
-            </a:r>
-            <a:r>
-              <a:rPr lang="ru-RU" sz="2400" b="1" dirty="0" smtClean="0">
-                <a:latin typeface="Times New Roman" pitchFamily="18" charset="0"/>
-                <a:cs typeface="Times New Roman" pitchFamily="18" charset="0"/>
-              </a:rPr>
-              <a:t> на кадре </a:t>
-            </a:r>
-            <a:r>
-              <a:rPr lang="en-US" sz="2400" b="1" dirty="0" smtClean="0">
-                <a:latin typeface="Times New Roman" pitchFamily="18" charset="0"/>
-                <a:cs typeface="Times New Roman" pitchFamily="18" charset="0"/>
-              </a:rPr>
-              <a:t>k</a:t>
-            </a:r>
-            <a:endParaRPr lang="ru-RU" sz="2400" b="1" dirty="0">
-              <a:latin typeface="Times New Roman" pitchFamily="18" charset="0"/>
-              <a:cs typeface="Times New Roman" pitchFamily="18" charset="0"/>
-            </a:endParaRPr>
-          </a:p>
-        </p:txBody>
-      </p:sp>
-      <p:sp>
-        <p:nvSpPr>
-          <p:cNvPr id="6" name="Прямоугольник 5"/>
-          <p:cNvSpPr/>
-          <p:nvPr/>
-        </p:nvSpPr>
-        <p:spPr>
-          <a:xfrm>
-            <a:off x="4716016" y="4581128"/>
-            <a:ext cx="2880320" cy="1440160"/>
-          </a:xfrm>
-          <a:prstGeom prst="rect">
-            <a:avLst/>
-          </a:prstGeom>
-        </p:spPr>
-        <p:style>
-          <a:lnRef idx="2">
-            <a:schemeClr val="accent1">
-              <a:shade val="50000"/>
-            </a:schemeClr>
-          </a:lnRef>
-          <a:fillRef idx="1">
-            <a:schemeClr val="accent1"/>
-          </a:fillRef>
-          <a:effectRef idx="0">
-            <a:schemeClr val="accent1"/>
-          </a:effectRef>
-          <a:fontRef idx="minor">
-            <a:schemeClr val="lt1"/>
-          </a:fontRef>
-        </p:style>
-        <p:txBody>
-          <a:bodyPr rtlCol="0" anchor="ctr"/>
-          <a:lstStyle/>
-          <a:p>
-            <a:pPr algn="ctr"/>
-            <a:r>
-              <a:rPr lang="ru-RU" sz="2400" b="1" dirty="0" smtClean="0">
-                <a:latin typeface="Times New Roman" pitchFamily="18" charset="0"/>
-                <a:cs typeface="Times New Roman" pitchFamily="18" charset="0"/>
-              </a:rPr>
-              <a:t>Скорректировать </a:t>
-            </a:r>
-            <a:r>
-              <a:rPr lang="en-US" sz="2400" b="1" dirty="0" err="1" smtClean="0">
-                <a:latin typeface="Times New Roman" pitchFamily="18" charset="0"/>
-                <a:cs typeface="Times New Roman" pitchFamily="18" charset="0"/>
-              </a:rPr>
-              <a:t>pdf</a:t>
-            </a:r>
-            <a:r>
-              <a:rPr lang="en-US" sz="2400" b="1" dirty="0" smtClean="0">
-                <a:latin typeface="Times New Roman" pitchFamily="18" charset="0"/>
-                <a:cs typeface="Times New Roman" pitchFamily="18" charset="0"/>
-              </a:rPr>
-              <a:t> </a:t>
-            </a:r>
-            <a:r>
-              <a:rPr lang="ru-RU" sz="2400" b="1" dirty="0" smtClean="0">
-                <a:latin typeface="Times New Roman" pitchFamily="18" charset="0"/>
-                <a:cs typeface="Times New Roman" pitchFamily="18" charset="0"/>
-              </a:rPr>
-              <a:t>на кадре </a:t>
-            </a:r>
-            <a:r>
-              <a:rPr lang="en-US" sz="2400" b="1" dirty="0" smtClean="0">
-                <a:latin typeface="Times New Roman" pitchFamily="18" charset="0"/>
-                <a:cs typeface="Times New Roman" pitchFamily="18" charset="0"/>
-              </a:rPr>
-              <a:t>k</a:t>
-            </a:r>
-            <a:endParaRPr lang="ru-RU" sz="2400" b="1" dirty="0">
-              <a:latin typeface="Times New Roman" pitchFamily="18" charset="0"/>
-              <a:cs typeface="Times New Roman" pitchFamily="18" charset="0"/>
-            </a:endParaRPr>
-          </a:p>
-        </p:txBody>
-      </p:sp>
-      <p:cxnSp>
-        <p:nvCxnSpPr>
-          <p:cNvPr id="10" name="Прямая со стрелкой 9"/>
-          <p:cNvCxnSpPr/>
-          <p:nvPr/>
-        </p:nvCxnSpPr>
-        <p:spPr>
-          <a:xfrm>
-            <a:off x="2627784" y="1631650"/>
-            <a:ext cx="0" cy="1440160"/>
-          </a:xfrm>
-          <a:prstGeom prst="straightConnector1">
-            <a:avLst/>
-          </a:prstGeom>
-          <a:ln w="15875">
-            <a:tailEnd type="triangle" w="lg" len="lg"/>
-          </a:ln>
-        </p:spPr>
-        <p:style>
-          <a:lnRef idx="1">
-            <a:schemeClr val="accent1"/>
-          </a:lnRef>
-          <a:fillRef idx="0">
-            <a:schemeClr val="accent1"/>
-          </a:fillRef>
-          <a:effectRef idx="0">
-            <a:schemeClr val="accent1"/>
-          </a:effectRef>
-          <a:fontRef idx="minor">
-            <a:schemeClr val="tx1"/>
-          </a:fontRef>
-        </p:style>
-      </p:cxnSp>
-      <p:graphicFrame>
-        <p:nvGraphicFramePr>
-          <p:cNvPr id="12" name="Object 5"/>
-          <p:cNvGraphicFramePr>
-            <a:graphicFrameLocks noChangeAspect="1"/>
-          </p:cNvGraphicFramePr>
-          <p:nvPr/>
-        </p:nvGraphicFramePr>
-        <p:xfrm>
-          <a:off x="1043608" y="2420888"/>
-          <a:ext cx="1538287" cy="469900"/>
-        </p:xfrm>
-        <a:graphic>
-          <a:graphicData uri="http://schemas.openxmlformats.org/presentationml/2006/ole">
-            <p:oleObj spid="_x0000_s28675" name="Equation" r:id="rId3" imgW="749160" imgH="228600" progId="Equation.3">
-              <p:embed/>
-            </p:oleObj>
-          </a:graphicData>
-        </a:graphic>
-      </p:graphicFrame>
-      <p:cxnSp>
-        <p:nvCxnSpPr>
-          <p:cNvPr id="15" name="Прямая со стрелкой 14"/>
-          <p:cNvCxnSpPr/>
-          <p:nvPr/>
-        </p:nvCxnSpPr>
-        <p:spPr>
-          <a:xfrm>
-            <a:off x="6156176" y="1556792"/>
-            <a:ext cx="0" cy="3024336"/>
-          </a:xfrm>
-          <a:prstGeom prst="straightConnector1">
-            <a:avLst/>
-          </a:prstGeom>
-          <a:ln>
-            <a:tailEnd type="triangle" w="lg" len="lg"/>
-          </a:ln>
-        </p:spPr>
-        <p:style>
-          <a:lnRef idx="1">
-            <a:schemeClr val="accent1"/>
-          </a:lnRef>
-          <a:fillRef idx="0">
-            <a:schemeClr val="accent1"/>
-          </a:fillRef>
-          <a:effectRef idx="0">
-            <a:schemeClr val="accent1"/>
-          </a:effectRef>
-          <a:fontRef idx="minor">
-            <a:schemeClr val="tx1"/>
-          </a:fontRef>
-        </p:style>
-      </p:cxnSp>
-      <p:graphicFrame>
-        <p:nvGraphicFramePr>
-          <p:cNvPr id="16" name="Object 6"/>
-          <p:cNvGraphicFramePr>
-            <a:graphicFrameLocks noChangeAspect="1"/>
-          </p:cNvGraphicFramePr>
-          <p:nvPr/>
-        </p:nvGraphicFramePr>
-        <p:xfrm>
-          <a:off x="4983736" y="2996952"/>
-          <a:ext cx="1150183" cy="432048"/>
-        </p:xfrm>
-        <a:graphic>
-          <a:graphicData uri="http://schemas.openxmlformats.org/presentationml/2006/ole">
-            <p:oleObj spid="_x0000_s28676" name="Equation" r:id="rId4" imgW="609480" imgH="228600" progId="Equation.3">
-              <p:embed/>
-            </p:oleObj>
-          </a:graphicData>
-        </a:graphic>
-      </p:graphicFrame>
-      <p:cxnSp>
-        <p:nvCxnSpPr>
-          <p:cNvPr id="19" name="Соединительная линия уступом 18"/>
-          <p:cNvCxnSpPr>
-            <a:endCxn id="6" idx="1"/>
-          </p:cNvCxnSpPr>
-          <p:nvPr/>
-        </p:nvCxnSpPr>
-        <p:spPr>
-          <a:xfrm>
-            <a:off x="4283968" y="4005064"/>
-            <a:ext cx="432048" cy="1296144"/>
-          </a:xfrm>
-          <a:prstGeom prst="bentConnector3">
-            <a:avLst>
-              <a:gd name="adj1" fmla="val 50000"/>
-            </a:avLst>
-          </a:prstGeom>
-          <a:ln>
-            <a:tailEnd type="triangle" w="lg" len="lg"/>
-          </a:ln>
-        </p:spPr>
-        <p:style>
-          <a:lnRef idx="1">
-            <a:schemeClr val="accent1"/>
-          </a:lnRef>
-          <a:fillRef idx="0">
-            <a:schemeClr val="accent1"/>
-          </a:fillRef>
-          <a:effectRef idx="0">
-            <a:schemeClr val="accent1"/>
-          </a:effectRef>
-          <a:fontRef idx="minor">
-            <a:schemeClr val="tx1"/>
-          </a:fontRef>
-        </p:style>
-      </p:cxnSp>
-      <p:graphicFrame>
-        <p:nvGraphicFramePr>
-          <p:cNvPr id="28677" name="Object 5"/>
-          <p:cNvGraphicFramePr>
-            <a:graphicFrameLocks noChangeAspect="1"/>
-          </p:cNvGraphicFramePr>
-          <p:nvPr/>
-        </p:nvGraphicFramePr>
-        <p:xfrm>
-          <a:off x="2856300" y="5085184"/>
-          <a:ext cx="1413975" cy="432048"/>
-        </p:xfrm>
-        <a:graphic>
-          <a:graphicData uri="http://schemas.openxmlformats.org/presentationml/2006/ole">
-            <p:oleObj spid="_x0000_s28677" name="Equation" r:id="rId5" imgW="749160" imgH="228600" progId="Equation.3">
-              <p:embed/>
-            </p:oleObj>
-          </a:graphicData>
-        </a:graphic>
-      </p:graphicFrame>
-      <p:cxnSp>
-        <p:nvCxnSpPr>
-          <p:cNvPr id="22" name="Прямая соединительная линия 21"/>
-          <p:cNvCxnSpPr>
-            <a:stCxn id="6" idx="3"/>
-          </p:cNvCxnSpPr>
-          <p:nvPr/>
-        </p:nvCxnSpPr>
-        <p:spPr>
-          <a:xfrm>
-            <a:off x="7596336" y="5301208"/>
-            <a:ext cx="504056" cy="0"/>
-          </a:xfrm>
-          <a:prstGeom prst="line">
-            <a:avLst/>
-          </a:prstGeom>
-        </p:spPr>
-        <p:style>
-          <a:lnRef idx="1">
-            <a:schemeClr val="accent1"/>
-          </a:lnRef>
-          <a:fillRef idx="0">
-            <a:schemeClr val="accent1"/>
-          </a:fillRef>
-          <a:effectRef idx="0">
-            <a:schemeClr val="accent1"/>
-          </a:effectRef>
-          <a:fontRef idx="minor">
-            <a:schemeClr val="tx1"/>
-          </a:fontRef>
-        </p:style>
-      </p:cxnSp>
-      <p:cxnSp>
-        <p:nvCxnSpPr>
-          <p:cNvPr id="35" name="Прямая со стрелкой 34"/>
-          <p:cNvCxnSpPr>
-            <a:endCxn id="5" idx="1"/>
-          </p:cNvCxnSpPr>
-          <p:nvPr/>
-        </p:nvCxnSpPr>
-        <p:spPr>
-          <a:xfrm>
-            <a:off x="125452" y="3789040"/>
-            <a:ext cx="1278196" cy="0"/>
-          </a:xfrm>
-          <a:prstGeom prst="straightConnector1">
-            <a:avLst/>
-          </a:prstGeom>
-          <a:ln>
-            <a:tailEnd type="triangle" w="lg" len="lg"/>
-          </a:ln>
-        </p:spPr>
-        <p:style>
-          <a:lnRef idx="1">
-            <a:schemeClr val="accent1"/>
-          </a:lnRef>
-          <a:fillRef idx="0">
-            <a:schemeClr val="accent1"/>
-          </a:fillRef>
-          <a:effectRef idx="0">
-            <a:schemeClr val="accent1"/>
-          </a:effectRef>
-          <a:fontRef idx="minor">
-            <a:schemeClr val="tx1"/>
-          </a:fontRef>
-        </p:style>
-      </p:cxnSp>
-      <p:cxnSp>
-        <p:nvCxnSpPr>
-          <p:cNvPr id="39" name="Прямая со стрелкой 38"/>
-          <p:cNvCxnSpPr>
-            <a:stCxn id="6" idx="3"/>
-          </p:cNvCxnSpPr>
-          <p:nvPr/>
-        </p:nvCxnSpPr>
-        <p:spPr>
-          <a:xfrm>
-            <a:off x="7596336" y="5301208"/>
-            <a:ext cx="1547664" cy="0"/>
-          </a:xfrm>
-          <a:prstGeom prst="straightConnector1">
-            <a:avLst/>
-          </a:prstGeom>
-          <a:ln>
-            <a:tailEnd type="triangle" w="lg" len="lg"/>
-          </a:ln>
-        </p:spPr>
-        <p:style>
-          <a:lnRef idx="1">
-            <a:schemeClr val="accent1"/>
-          </a:lnRef>
-          <a:fillRef idx="0">
-            <a:schemeClr val="accent1"/>
-          </a:fillRef>
-          <a:effectRef idx="0">
-            <a:schemeClr val="accent1"/>
-          </a:effectRef>
-          <a:fontRef idx="minor">
-            <a:schemeClr val="tx1"/>
-          </a:fontRef>
-        </p:style>
-      </p:cxnSp>
-      <p:graphicFrame>
-        <p:nvGraphicFramePr>
-          <p:cNvPr id="28678" name="Object 6"/>
-          <p:cNvGraphicFramePr>
-            <a:graphicFrameLocks noChangeAspect="1"/>
-          </p:cNvGraphicFramePr>
-          <p:nvPr/>
-        </p:nvGraphicFramePr>
-        <p:xfrm>
-          <a:off x="7668344" y="5373216"/>
-          <a:ext cx="1365697" cy="473901"/>
-        </p:xfrm>
-        <a:graphic>
-          <a:graphicData uri="http://schemas.openxmlformats.org/presentationml/2006/ole">
-            <p:oleObj spid="_x0000_s28678" name="Equation" r:id="rId6" imgW="660240" imgH="228600" progId="Equation.3">
-              <p:embed/>
-            </p:oleObj>
-          </a:graphicData>
-        </a:graphic>
-      </p:graphicFrame>
-      <p:graphicFrame>
-        <p:nvGraphicFramePr>
-          <p:cNvPr id="47" name="Object 6"/>
-          <p:cNvGraphicFramePr>
-            <a:graphicFrameLocks noChangeAspect="1"/>
-          </p:cNvGraphicFramePr>
-          <p:nvPr/>
-        </p:nvGraphicFramePr>
-        <p:xfrm>
-          <a:off x="0" y="3838082"/>
-          <a:ext cx="1403648" cy="383006"/>
-        </p:xfrm>
-        <a:graphic>
-          <a:graphicData uri="http://schemas.openxmlformats.org/presentationml/2006/ole">
-            <p:oleObj spid="_x0000_s28679" name="Equation" r:id="rId7" imgW="838080" imgH="228600" progId="Equation.3">
-              <p:embed/>
-            </p:oleObj>
-          </a:graphicData>
-        </a:graphic>
-      </p:graphicFrame>
-      <p:sp>
-        <p:nvSpPr>
-          <p:cNvPr id="49" name="TextBox 48"/>
-          <p:cNvSpPr txBox="1"/>
-          <p:nvPr/>
-        </p:nvSpPr>
-        <p:spPr>
-          <a:xfrm>
-            <a:off x="35496" y="1628800"/>
-            <a:ext cx="2559803" cy="830997"/>
-          </a:xfrm>
-          <a:prstGeom prst="rect">
-            <a:avLst/>
-          </a:prstGeom>
-          <a:noFill/>
-        </p:spPr>
-        <p:txBody>
-          <a:bodyPr wrap="none" rtlCol="0">
-            <a:spAutoFit/>
-          </a:bodyPr>
-          <a:lstStyle/>
-          <a:p>
-            <a:pPr algn="r"/>
-            <a:r>
-              <a:rPr lang="ru-RU" sz="2400" dirty="0" smtClean="0">
-                <a:latin typeface="Times New Roman" pitchFamily="18" charset="0"/>
-                <a:cs typeface="Times New Roman" pitchFamily="18" charset="0"/>
-              </a:rPr>
-              <a:t>Модель динамики</a:t>
-            </a:r>
-          </a:p>
-          <a:p>
-            <a:pPr algn="r"/>
-            <a:r>
-              <a:rPr lang="ru-RU" sz="2400" dirty="0" smtClean="0">
-                <a:latin typeface="Times New Roman" pitchFamily="18" charset="0"/>
-                <a:cs typeface="Times New Roman" pitchFamily="18" charset="0"/>
-              </a:rPr>
-              <a:t>объекта</a:t>
-            </a:r>
-            <a:endParaRPr lang="ru-RU" sz="2400" dirty="0">
-              <a:latin typeface="Times New Roman" pitchFamily="18" charset="0"/>
-              <a:cs typeface="Times New Roman" pitchFamily="18" charset="0"/>
-            </a:endParaRPr>
-          </a:p>
-        </p:txBody>
-      </p:sp>
-      <p:sp>
-        <p:nvSpPr>
-          <p:cNvPr id="69" name="TextBox 68"/>
-          <p:cNvSpPr txBox="1"/>
-          <p:nvPr/>
-        </p:nvSpPr>
-        <p:spPr>
-          <a:xfrm>
-            <a:off x="3960440" y="2218022"/>
-            <a:ext cx="2173480" cy="830997"/>
-          </a:xfrm>
-          <a:prstGeom prst="rect">
-            <a:avLst/>
-          </a:prstGeom>
-          <a:noFill/>
-        </p:spPr>
-        <p:txBody>
-          <a:bodyPr wrap="none" rtlCol="0">
-            <a:spAutoFit/>
-          </a:bodyPr>
-          <a:lstStyle/>
-          <a:p>
-            <a:pPr algn="r"/>
-            <a:r>
-              <a:rPr lang="ru-RU" sz="2400" dirty="0" smtClean="0">
-                <a:latin typeface="Times New Roman" pitchFamily="18" charset="0"/>
-                <a:cs typeface="Times New Roman" pitchFamily="18" charset="0"/>
-              </a:rPr>
-              <a:t>Функция</a:t>
-            </a:r>
-          </a:p>
-          <a:p>
-            <a:pPr algn="r"/>
-            <a:r>
-              <a:rPr lang="ru-RU" sz="2400" dirty="0" smtClean="0">
-                <a:latin typeface="Times New Roman" pitchFamily="18" charset="0"/>
-                <a:cs typeface="Times New Roman" pitchFamily="18" charset="0"/>
-              </a:rPr>
-              <a:t>правдоподобия</a:t>
-            </a:r>
-            <a:endParaRPr lang="ru-RU" sz="2400" dirty="0">
-              <a:latin typeface="Times New Roman" pitchFamily="18" charset="0"/>
-              <a:cs typeface="Times New Roman" pitchFamily="18" charset="0"/>
-            </a:endParaRPr>
-          </a:p>
-        </p:txBody>
-      </p:sp>
-      <p:sp>
-        <p:nvSpPr>
-          <p:cNvPr id="72" name="TextBox 71"/>
-          <p:cNvSpPr txBox="1"/>
-          <p:nvPr/>
-        </p:nvSpPr>
-        <p:spPr>
-          <a:xfrm>
-            <a:off x="7668344" y="4437112"/>
-            <a:ext cx="1224136" cy="830997"/>
-          </a:xfrm>
-          <a:prstGeom prst="rect">
-            <a:avLst/>
-          </a:prstGeom>
-          <a:noFill/>
-        </p:spPr>
-        <p:txBody>
-          <a:bodyPr wrap="square" rtlCol="0">
-            <a:spAutoFit/>
-          </a:bodyPr>
-          <a:lstStyle/>
-          <a:p>
-            <a:r>
-              <a:rPr lang="en-US" sz="2400" dirty="0" err="1" smtClean="0">
-                <a:latin typeface="Times New Roman" pitchFamily="18" charset="0"/>
-                <a:cs typeface="Times New Roman" pitchFamily="18" charset="0"/>
-              </a:rPr>
-              <a:t>pdf</a:t>
-            </a:r>
-            <a:r>
-              <a:rPr lang="ru-RU" sz="2400" dirty="0" smtClean="0">
-                <a:latin typeface="Times New Roman" pitchFamily="18" charset="0"/>
-                <a:cs typeface="Times New Roman" pitchFamily="18" charset="0"/>
-              </a:rPr>
-              <a:t> на кадре</a:t>
-            </a:r>
-            <a:r>
-              <a:rPr lang="en-US" sz="2400" dirty="0" smtClean="0">
-                <a:latin typeface="Times New Roman" pitchFamily="18" charset="0"/>
-                <a:cs typeface="Times New Roman" pitchFamily="18" charset="0"/>
-              </a:rPr>
-              <a:t> k</a:t>
-            </a:r>
-            <a:r>
-              <a:rPr lang="ru-RU" sz="2400" dirty="0" smtClean="0">
-                <a:latin typeface="Times New Roman" pitchFamily="18" charset="0"/>
-                <a:cs typeface="Times New Roman" pitchFamily="18" charset="0"/>
-              </a:rPr>
-              <a:t> </a:t>
-            </a:r>
-            <a:endParaRPr lang="ru-RU" sz="2400" dirty="0">
-              <a:latin typeface="Times New Roman" pitchFamily="18" charset="0"/>
-              <a:cs typeface="Times New Roman" pitchFamily="18" charset="0"/>
-            </a:endParaRPr>
-          </a:p>
-        </p:txBody>
-      </p:sp>
-      <p:sp>
-        <p:nvSpPr>
-          <p:cNvPr id="73" name="TextBox 72"/>
-          <p:cNvSpPr txBox="1"/>
-          <p:nvPr/>
-        </p:nvSpPr>
-        <p:spPr>
-          <a:xfrm>
-            <a:off x="0" y="2996952"/>
-            <a:ext cx="1619672" cy="830997"/>
-          </a:xfrm>
-          <a:prstGeom prst="rect">
-            <a:avLst/>
-          </a:prstGeom>
-          <a:noFill/>
-        </p:spPr>
-        <p:txBody>
-          <a:bodyPr wrap="square" rtlCol="0">
-            <a:spAutoFit/>
-          </a:bodyPr>
-          <a:lstStyle/>
-          <a:p>
-            <a:r>
-              <a:rPr lang="en-US" sz="2400" dirty="0" err="1" smtClean="0">
-                <a:latin typeface="Times New Roman" pitchFamily="18" charset="0"/>
-                <a:cs typeface="Times New Roman" pitchFamily="18" charset="0"/>
-              </a:rPr>
-              <a:t>pdf</a:t>
-            </a:r>
-            <a:r>
-              <a:rPr lang="ru-RU" sz="2400" dirty="0" smtClean="0">
-                <a:latin typeface="Times New Roman" pitchFamily="18" charset="0"/>
-                <a:cs typeface="Times New Roman" pitchFamily="18" charset="0"/>
-              </a:rPr>
-              <a:t> </a:t>
-            </a:r>
-            <a:r>
-              <a:rPr lang="en-US" sz="2400" dirty="0" smtClean="0">
-                <a:latin typeface="Times New Roman" pitchFamily="18" charset="0"/>
-                <a:cs typeface="Times New Roman" pitchFamily="18" charset="0"/>
-              </a:rPr>
-              <a:t>c</a:t>
-            </a:r>
-            <a:r>
-              <a:rPr lang="ru-RU" sz="2400" dirty="0" smtClean="0">
-                <a:latin typeface="Times New Roman" pitchFamily="18" charset="0"/>
-                <a:cs typeface="Times New Roman" pitchFamily="18" charset="0"/>
-              </a:rPr>
-              <a:t> </a:t>
-            </a:r>
-          </a:p>
-          <a:p>
-            <a:r>
-              <a:rPr lang="ru-RU" sz="2400" dirty="0" smtClean="0">
-                <a:latin typeface="Times New Roman" pitchFamily="18" charset="0"/>
-                <a:cs typeface="Times New Roman" pitchFamily="18" charset="0"/>
-              </a:rPr>
-              <a:t>кадра</a:t>
-            </a:r>
-            <a:r>
-              <a:rPr lang="en-US" sz="2400" dirty="0" smtClean="0">
-                <a:latin typeface="Times New Roman" pitchFamily="18" charset="0"/>
-                <a:cs typeface="Times New Roman" pitchFamily="18" charset="0"/>
-              </a:rPr>
-              <a:t> k</a:t>
-            </a:r>
-            <a:r>
-              <a:rPr lang="ru-RU" sz="2400" dirty="0" smtClean="0">
-                <a:latin typeface="Times New Roman" pitchFamily="18" charset="0"/>
-                <a:cs typeface="Times New Roman" pitchFamily="18" charset="0"/>
-              </a:rPr>
-              <a:t>-1 </a:t>
-            </a:r>
-            <a:endParaRPr lang="ru-RU" sz="2400" dirty="0">
-              <a:latin typeface="Times New Roman" pitchFamily="18" charset="0"/>
-              <a:cs typeface="Times New Roman" pitchFamily="18" charset="0"/>
-            </a:endParaRPr>
-          </a:p>
-        </p:txBody>
-      </p:sp>
-      <p:sp>
-        <p:nvSpPr>
-          <p:cNvPr id="74" name="TextBox 73"/>
-          <p:cNvSpPr txBox="1"/>
-          <p:nvPr/>
-        </p:nvSpPr>
-        <p:spPr>
-          <a:xfrm>
-            <a:off x="2195736" y="4653136"/>
-            <a:ext cx="2520280" cy="461665"/>
-          </a:xfrm>
-          <a:prstGeom prst="rect">
-            <a:avLst/>
-          </a:prstGeom>
-          <a:noFill/>
-        </p:spPr>
-        <p:txBody>
-          <a:bodyPr wrap="square" rtlCol="0">
-            <a:spAutoFit/>
-          </a:bodyPr>
-          <a:lstStyle/>
-          <a:p>
-            <a:r>
-              <a:rPr lang="ru-RU" sz="2400" dirty="0" smtClean="0">
-                <a:latin typeface="Times New Roman" pitchFamily="18" charset="0"/>
-                <a:cs typeface="Times New Roman" pitchFamily="18" charset="0"/>
-              </a:rPr>
-              <a:t>Априорная </a:t>
-            </a:r>
-            <a:r>
-              <a:rPr lang="en-US" sz="2400" dirty="0" err="1" smtClean="0">
-                <a:latin typeface="Times New Roman" pitchFamily="18" charset="0"/>
-                <a:cs typeface="Times New Roman" pitchFamily="18" charset="0"/>
-              </a:rPr>
-              <a:t>pdf</a:t>
-            </a:r>
-            <a:endParaRPr lang="ru-RU" sz="2400" dirty="0">
-              <a:latin typeface="Times New Roman" pitchFamily="18" charset="0"/>
-              <a:cs typeface="Times New Roman" pitchFamily="18" charset="0"/>
-            </a:endParaRPr>
-          </a:p>
-        </p:txBody>
-      </p:sp>
-      <p:sp>
-        <p:nvSpPr>
-          <p:cNvPr id="75" name="TextBox 74"/>
-          <p:cNvSpPr txBox="1"/>
-          <p:nvPr/>
-        </p:nvSpPr>
-        <p:spPr>
-          <a:xfrm>
-            <a:off x="3851920" y="4139788"/>
-            <a:ext cx="434734" cy="369332"/>
-          </a:xfrm>
-          <a:prstGeom prst="rect">
-            <a:avLst/>
-          </a:prstGeom>
-          <a:noFill/>
-        </p:spPr>
-        <p:txBody>
-          <a:bodyPr wrap="none" rtlCol="0">
-            <a:spAutoFit/>
-          </a:bodyPr>
-          <a:lstStyle/>
-          <a:p>
-            <a:r>
-              <a:rPr lang="en-US" dirty="0" smtClean="0">
-                <a:solidFill>
-                  <a:schemeClr val="bg1"/>
-                </a:solidFill>
-              </a:rPr>
-              <a:t>A1</a:t>
-            </a:r>
-            <a:endParaRPr lang="ru-RU" dirty="0">
-              <a:solidFill>
-                <a:schemeClr val="bg1"/>
-              </a:solidFill>
-            </a:endParaRPr>
-          </a:p>
-        </p:txBody>
-      </p:sp>
-      <p:sp>
-        <p:nvSpPr>
-          <p:cNvPr id="76" name="TextBox 75"/>
-          <p:cNvSpPr txBox="1"/>
-          <p:nvPr/>
-        </p:nvSpPr>
-        <p:spPr>
-          <a:xfrm>
-            <a:off x="7164288" y="5445224"/>
-            <a:ext cx="449162" cy="369332"/>
-          </a:xfrm>
-          <a:prstGeom prst="rect">
-            <a:avLst/>
-          </a:prstGeom>
-          <a:noFill/>
-        </p:spPr>
-        <p:txBody>
-          <a:bodyPr wrap="none" rtlCol="0">
-            <a:spAutoFit/>
-          </a:bodyPr>
-          <a:lstStyle/>
-          <a:p>
-            <a:r>
-              <a:rPr lang="en-US" dirty="0" smtClean="0">
-                <a:solidFill>
-                  <a:schemeClr val="bg1"/>
-                </a:solidFill>
-              </a:rPr>
-              <a:t>A2</a:t>
-            </a:r>
-            <a:endParaRPr lang="ru-RU" dirty="0">
-              <a:solidFill>
-                <a:schemeClr val="bg1"/>
-              </a:solidFill>
-            </a:endParaRPr>
           </a:p>
         </p:txBody>
       </p:sp>

--- a/Разработка вероятностного метода  отслеживания объектов в видеопотоке_new.pptx
+++ b/Разработка вероятностного метода  отслеживания объектов в видеопотоке_new.pptx
@@ -20,8 +20,8 @@
     <p:sldId id="277" r:id="rId11"/>
     <p:sldId id="276" r:id="rId12"/>
     <p:sldId id="278" r:id="rId13"/>
-    <p:sldId id="280" r:id="rId14"/>
-    <p:sldId id="282" r:id="rId15"/>
+    <p:sldId id="282" r:id="rId14"/>
+    <p:sldId id="280" r:id="rId15"/>
     <p:sldId id="283" r:id="rId16"/>
     <p:sldId id="284" r:id="rId17"/>
     <p:sldId id="285" r:id="rId18"/>
@@ -211,7 +211,7 @@
             <a:fld id="{53081E6D-8C6E-4711-813E-E2FA21F30C0E}" type="datetimeFigureOut">
               <a:rPr lang="ru-RU" smtClean="0"/>
               <a:pPr/>
-              <a:t>26.05.2014</a:t>
+              <a:t>27.05.2014</a:t>
             </a:fld>
             <a:endParaRPr lang="ru-RU"/>
           </a:p>
@@ -627,7 +627,7 @@
             <a:fld id="{6E0F53BC-7893-4736-8259-754443F254F9}" type="slidenum">
               <a:rPr lang="ru-RU" smtClean="0"/>
               <a:pPr/>
-              <a:t>10</a:t>
+              <a:t>5</a:t>
             </a:fld>
             <a:endParaRPr lang="ru-RU"/>
           </a:p>
@@ -709,7 +709,7 @@
             <a:fld id="{6E0F53BC-7893-4736-8259-754443F254F9}" type="slidenum">
               <a:rPr lang="ru-RU" smtClean="0"/>
               <a:pPr/>
-              <a:t>12</a:t>
+              <a:t>10</a:t>
             </a:fld>
             <a:endParaRPr lang="ru-RU"/>
           </a:p>
@@ -791,7 +791,89 @@
             <a:fld id="{6E0F53BC-7893-4736-8259-754443F254F9}" type="slidenum">
               <a:rPr lang="ru-RU" smtClean="0"/>
               <a:pPr/>
-              <a:t>13</a:t>
+              <a:t>12</a:t>
+            </a:fld>
+            <a:endParaRPr lang="ru-RU"/>
+          </a:p>
+        </p:txBody>
+      </p:sp>
+    </p:spTree>
+  </p:cSld>
+  <p:clrMapOvr>
+    <a:masterClrMapping/>
+  </p:clrMapOvr>
+</p:notes>
+</file>
+
+<file path=ppt/notesSlides/notesSlide5.xml><?xml version="1.0" encoding="utf-8"?>
+<p:notes xmlns:a="http://schemas.openxmlformats.org/drawingml/2006/main" xmlns:r="http://schemas.openxmlformats.org/officeDocument/2006/relationships" xmlns:p="http://schemas.openxmlformats.org/presentationml/2006/main">
+  <p:cSld>
+    <p:spTree>
+      <p:nvGrpSpPr>
+        <p:cNvPr id="1" name=""/>
+        <p:cNvGrpSpPr/>
+        <p:nvPr/>
+      </p:nvGrpSpPr>
+      <p:grpSpPr>
+        <a:xfrm>
+          <a:off x="0" y="0"/>
+          <a:ext cx="0" cy="0"/>
+          <a:chOff x="0" y="0"/>
+          <a:chExt cx="0" cy="0"/>
+        </a:xfrm>
+      </p:grpSpPr>
+      <p:sp>
+        <p:nvSpPr>
+          <p:cNvPr id="2" name="Образ слайда 1"/>
+          <p:cNvSpPr>
+            <a:spLocks noGrp="1" noRot="1" noChangeAspect="1"/>
+          </p:cNvSpPr>
+          <p:nvPr>
+            <p:ph type="sldImg"/>
+          </p:nvPr>
+        </p:nvSpPr>
+        <p:spPr/>
+      </p:sp>
+      <p:sp>
+        <p:nvSpPr>
+          <p:cNvPr id="3" name="Заметки 2"/>
+          <p:cNvSpPr>
+            <a:spLocks noGrp="1"/>
+          </p:cNvSpPr>
+          <p:nvPr>
+            <p:ph type="body" idx="1"/>
+          </p:nvPr>
+        </p:nvSpPr>
+        <p:spPr/>
+        <p:txBody>
+          <a:bodyPr>
+            <a:normAutofit/>
+          </a:bodyPr>
+          <a:lstStyle/>
+          <a:p>
+            <a:endParaRPr lang="ru-RU" dirty="0"/>
+          </a:p>
+        </p:txBody>
+      </p:sp>
+      <p:sp>
+        <p:nvSpPr>
+          <p:cNvPr id="4" name="Номер слайда 3"/>
+          <p:cNvSpPr>
+            <a:spLocks noGrp="1"/>
+          </p:cNvSpPr>
+          <p:nvPr>
+            <p:ph type="sldNum" sz="quarter" idx="10"/>
+          </p:nvPr>
+        </p:nvSpPr>
+        <p:spPr/>
+        <p:txBody>
+          <a:bodyPr/>
+          <a:lstStyle/>
+          <a:p>
+            <a:fld id="{6E0F53BC-7893-4736-8259-754443F254F9}" type="slidenum">
+              <a:rPr lang="ru-RU" smtClean="0"/>
+              <a:pPr/>
+              <a:t>14</a:t>
             </a:fld>
             <a:endParaRPr lang="ru-RU"/>
           </a:p>
@@ -986,7 +1068,8 @@
           <a:p>
             <a:fld id="{4AE0573F-CE86-4A42-91B4-848379050BD0}" type="datetime1">
               <a:rPr lang="ru-RU" smtClean="0"/>
-              <a:t>26.05.2014</a:t>
+              <a:pPr/>
+              <a:t>27.05.2014</a:t>
             </a:fld>
             <a:endParaRPr lang="ru-RU"/>
           </a:p>
@@ -1152,7 +1235,8 @@
           <a:p>
             <a:fld id="{F04F0316-5C6D-4A9D-A1A2-B901BC402500}" type="datetime1">
               <a:rPr lang="ru-RU" smtClean="0"/>
-              <a:t>26.05.2014</a:t>
+              <a:pPr/>
+              <a:t>27.05.2014</a:t>
             </a:fld>
             <a:endParaRPr lang="ru-RU"/>
           </a:p>
@@ -1328,7 +1412,8 @@
           <a:p>
             <a:fld id="{5091EAEE-EF5F-40C6-90B0-E7655986E387}" type="datetime1">
               <a:rPr lang="ru-RU" smtClean="0"/>
-              <a:t>26.05.2014</a:t>
+              <a:pPr/>
+              <a:t>27.05.2014</a:t>
             </a:fld>
             <a:endParaRPr lang="ru-RU"/>
           </a:p>
@@ -1494,7 +1579,8 @@
           <a:p>
             <a:fld id="{3AC48C08-6AEE-4C79-B3AA-774EEEB0C903}" type="datetime1">
               <a:rPr lang="ru-RU" smtClean="0"/>
-              <a:t>26.05.2014</a:t>
+              <a:pPr/>
+              <a:t>27.05.2014</a:t>
             </a:fld>
             <a:endParaRPr lang="ru-RU"/>
           </a:p>
@@ -1736,7 +1822,8 @@
           <a:p>
             <a:fld id="{DCFBAADF-C062-4848-B98E-464A2FD1A83F}" type="datetime1">
               <a:rPr lang="ru-RU" smtClean="0"/>
-              <a:t>26.05.2014</a:t>
+              <a:pPr/>
+              <a:t>27.05.2014</a:t>
             </a:fld>
             <a:endParaRPr lang="ru-RU"/>
           </a:p>
@@ -2020,7 +2107,8 @@
           <a:p>
             <a:fld id="{414B56DF-4941-4F0D-A7EE-831691F77E1B}" type="datetime1">
               <a:rPr lang="ru-RU" smtClean="0"/>
-              <a:t>26.05.2014</a:t>
+              <a:pPr/>
+              <a:t>27.05.2014</a:t>
             </a:fld>
             <a:endParaRPr lang="ru-RU"/>
           </a:p>
@@ -2438,7 +2526,8 @@
           <a:p>
             <a:fld id="{60981422-263A-4C79-9765-D3306BDEEECD}" type="datetime1">
               <a:rPr lang="ru-RU" smtClean="0"/>
-              <a:t>26.05.2014</a:t>
+              <a:pPr/>
+              <a:t>27.05.2014</a:t>
             </a:fld>
             <a:endParaRPr lang="ru-RU"/>
           </a:p>
@@ -2552,7 +2641,8 @@
           <a:p>
             <a:fld id="{E2EC7748-18EA-4288-BCE6-677FA3DD4CE2}" type="datetime1">
               <a:rPr lang="ru-RU" smtClean="0"/>
-              <a:t>26.05.2014</a:t>
+              <a:pPr/>
+              <a:t>27.05.2014</a:t>
             </a:fld>
             <a:endParaRPr lang="ru-RU"/>
           </a:p>
@@ -2643,7 +2733,8 @@
           <a:p>
             <a:fld id="{130DD718-4766-4CD9-9B66-507F120B005C}" type="datetime1">
               <a:rPr lang="ru-RU" smtClean="0"/>
-              <a:t>26.05.2014</a:t>
+              <a:pPr/>
+              <a:t>27.05.2014</a:t>
             </a:fld>
             <a:endParaRPr lang="ru-RU"/>
           </a:p>
@@ -2916,7 +3007,8 @@
           <a:p>
             <a:fld id="{F01E2AF9-61D5-4D3C-9F6C-6EA0C4CCA339}" type="datetime1">
               <a:rPr lang="ru-RU" smtClean="0"/>
-              <a:t>26.05.2014</a:t>
+              <a:pPr/>
+              <a:t>27.05.2014</a:t>
             </a:fld>
             <a:endParaRPr lang="ru-RU"/>
           </a:p>
@@ -3165,7 +3257,8 @@
           <a:p>
             <a:fld id="{A82E4EED-90B2-45A6-83FF-11F0D4568B72}" type="datetime1">
               <a:rPr lang="ru-RU" smtClean="0"/>
-              <a:t>26.05.2014</a:t>
+              <a:pPr/>
+              <a:t>27.05.2014</a:t>
             </a:fld>
             <a:endParaRPr lang="ru-RU"/>
           </a:p>
@@ -3374,7 +3467,8 @@
           <a:p>
             <a:fld id="{B5B5472E-78A5-4D9A-871C-51B8CC296870}" type="datetime1">
               <a:rPr lang="ru-RU" smtClean="0"/>
-              <a:t>26.05.2014</a:t>
+              <a:pPr/>
+              <a:t>27.05.2014</a:t>
             </a:fld>
             <a:endParaRPr lang="ru-RU"/>
           </a:p>
@@ -3882,9 +3976,16 @@
             <a:pPr algn="ctr"/>
             <a:r>
               <a:rPr lang="ru-RU" dirty="0" smtClean="0"/>
-              <a:t>Алгоритм воспроизведения условной плотности</a:t>
-            </a:r>
-            <a:endParaRPr lang="ru-RU" dirty="0"/>
+              <a:t>Базовый алгоритм фильтра частиц</a:t>
+            </a:r>
+            <a:br>
+              <a:rPr lang="ru-RU" dirty="0" smtClean="0"/>
+            </a:br>
+            <a:r>
+              <a:rPr lang="ru-RU" sz="2200" dirty="0" smtClean="0"/>
+              <a:t>(алгоритм воспроизведения условной плотности)</a:t>
+            </a:r>
+            <a:endParaRPr lang="ru-RU" sz="2200" dirty="0"/>
           </a:p>
         </p:txBody>
       </p:sp>
@@ -3928,8 +4029,8 @@
         </p:blipFill>
         <p:spPr>
           <a:xfrm>
-            <a:off x="1795462" y="1504970"/>
-            <a:ext cx="5553075" cy="4781550"/>
+            <a:off x="1810964" y="1426777"/>
+            <a:ext cx="5975746" cy="5145496"/>
           </a:xfrm>
           <a:prstGeom prst="rect">
             <a:avLst/>
@@ -3978,7 +4079,12 @@
             <p:ph type="title"/>
           </p:nvPr>
         </p:nvSpPr>
-        <p:spPr/>
+        <p:spPr>
+          <a:xfrm>
+            <a:off x="142844" y="274638"/>
+            <a:ext cx="8929718" cy="1143000"/>
+          </a:xfrm>
+        </p:spPr>
         <p:txBody>
           <a:bodyPr>
             <a:normAutofit fontScale="90000"/>
@@ -3988,7 +4094,11 @@
             <a:pPr algn="ctr"/>
             <a:r>
               <a:rPr lang="ru-RU" dirty="0" smtClean="0"/>
-              <a:t>Адаптация стохастической компоненты</a:t>
+              <a:t>Адаптация стохастической </a:t>
+            </a:r>
+            <a:r>
+              <a:rPr lang="ru-RU" dirty="0" smtClean="0"/>
+              <a:t>компоненты вектора состояния объекта</a:t>
             </a:r>
             <a:endParaRPr lang="ru-RU" dirty="0"/>
           </a:p>
@@ -4046,7 +4156,21 @@
                 <a:latin typeface="Times New Roman" pitchFamily="18" charset="0"/>
                 <a:cs typeface="Times New Roman" pitchFamily="18" charset="0"/>
               </a:rPr>
-              <a:t>Чем дальше гистограмма объекта от эталонной на кадре </a:t>
+              <a:t>Чем дальше </a:t>
+            </a:r>
+            <a:r>
+              <a:rPr lang="ru-RU" dirty="0" smtClean="0">
+                <a:latin typeface="Times New Roman" pitchFamily="18" charset="0"/>
+                <a:cs typeface="Times New Roman" pitchFamily="18" charset="0"/>
+              </a:rPr>
+              <a:t>цветовая гистограмма </a:t>
+            </a:r>
+            <a:r>
+              <a:rPr lang="ru-RU" dirty="0" smtClean="0">
+                <a:latin typeface="Times New Roman" pitchFamily="18" charset="0"/>
+                <a:cs typeface="Times New Roman" pitchFamily="18" charset="0"/>
+              </a:rPr>
+              <a:t>объекта от эталонной на кадре </a:t>
             </a:r>
             <a:r>
               <a:rPr lang="en-US" i="1" dirty="0" smtClean="0">
@@ -4469,14 +4593,117 @@
         </p:nvSpPr>
         <p:spPr/>
         <p:txBody>
-          <a:bodyPr/>
+          <a:bodyPr>
+            <a:normAutofit fontScale="90000"/>
+          </a:bodyPr>
           <a:lstStyle/>
           <a:p>
-            <a:pPr algn="ctr"/>
             <a:r>
               <a:rPr lang="ru-RU" dirty="0" smtClean="0"/>
-              <a:t>Оценка качества отслеживания</a:t>
-            </a:r>
+              <a:t>Исследуемые условия отслеживания</a:t>
+            </a:r>
+            <a:endParaRPr lang="ru-RU" dirty="0"/>
+          </a:p>
+        </p:txBody>
+      </p:sp>
+      <p:sp>
+        <p:nvSpPr>
+          <p:cNvPr id="3" name="Содержимое 2"/>
+          <p:cNvSpPr>
+            <a:spLocks noGrp="1"/>
+          </p:cNvSpPr>
+          <p:nvPr>
+            <p:ph idx="1"/>
+          </p:nvPr>
+        </p:nvSpPr>
+        <p:spPr/>
+        <p:txBody>
+          <a:bodyPr>
+            <a:normAutofit fontScale="92500" lnSpcReduction="10000"/>
+          </a:bodyPr>
+          <a:lstStyle/>
+          <a:p>
+            <a:r>
+              <a:rPr lang="ru-RU" dirty="0" smtClean="0"/>
+              <a:t>Неподвижный объект, движущаяся камера</a:t>
+            </a:r>
+          </a:p>
+          <a:p>
+            <a:pPr lvl="1"/>
+            <a:r>
+              <a:rPr lang="ru-RU" dirty="0" smtClean="0"/>
+              <a:t>резкие перемещения камеры, наличие похожих объектов в сцене</a:t>
+            </a:r>
+          </a:p>
+          <a:p>
+            <a:pPr lvl="1"/>
+            <a:r>
+              <a:rPr lang="ru-RU" dirty="0"/>
+              <a:t>и</a:t>
+            </a:r>
+            <a:r>
+              <a:rPr lang="ru-RU" dirty="0" smtClean="0"/>
+              <a:t>зменение освещения</a:t>
+            </a:r>
+          </a:p>
+          <a:p>
+            <a:pPr lvl="1"/>
+            <a:r>
+              <a:rPr lang="ru-RU" dirty="0"/>
+              <a:t>ч</a:t>
+            </a:r>
+            <a:r>
+              <a:rPr lang="ru-RU" dirty="0" smtClean="0"/>
+              <a:t>астичное перекрытие объекта</a:t>
+            </a:r>
+          </a:p>
+          <a:p>
+            <a:r>
+              <a:rPr lang="ru-RU" dirty="0" smtClean="0"/>
+              <a:t>Движущийся объект, движущаяся камера</a:t>
+            </a:r>
+          </a:p>
+          <a:p>
+            <a:pPr lvl="1"/>
+            <a:r>
+              <a:rPr lang="ru-RU" dirty="0" smtClean="0"/>
+              <a:t>ускорение, изменение направления движения</a:t>
+            </a:r>
+          </a:p>
+          <a:p>
+            <a:pPr lvl="1"/>
+            <a:r>
+              <a:rPr lang="ru-RU" dirty="0"/>
+              <a:t>и</a:t>
+            </a:r>
+            <a:r>
+              <a:rPr lang="ru-RU" dirty="0" smtClean="0"/>
+              <a:t>зменяющийся неоднородный фон</a:t>
+            </a:r>
+          </a:p>
+          <a:p>
+            <a:pPr lvl="1"/>
+            <a:r>
+              <a:rPr lang="ru-RU" dirty="0"/>
+              <a:t>п</a:t>
+            </a:r>
+            <a:r>
+              <a:rPr lang="ru-RU" dirty="0" smtClean="0"/>
+              <a:t>ерекрытия объекта</a:t>
+            </a:r>
+          </a:p>
+          <a:p>
+            <a:pPr lvl="1"/>
+            <a:r>
+              <a:rPr lang="ru-RU" dirty="0"/>
+              <a:t>н</a:t>
+            </a:r>
+            <a:r>
+              <a:rPr lang="ru-RU" dirty="0" smtClean="0"/>
+              <a:t>аличие похожих объектов</a:t>
+            </a:r>
+          </a:p>
+          <a:p>
             <a:endParaRPr lang="ru-RU" dirty="0"/>
           </a:p>
         </p:txBody>
@@ -4500,6 +4727,86 @@
               <a:rPr lang="ru-RU" smtClean="0"/>
               <a:pPr/>
               <a:t>13</a:t>
+            </a:fld>
+            <a:endParaRPr lang="ru-RU"/>
+          </a:p>
+        </p:txBody>
+      </p:sp>
+    </p:spTree>
+  </p:cSld>
+  <p:clrMapOvr>
+    <a:masterClrMapping/>
+  </p:clrMapOvr>
+  <p:timing>
+    <p:tnLst>
+      <p:par>
+        <p:cTn id="1" dur="indefinite" restart="never" nodeType="tmRoot"/>
+      </p:par>
+    </p:tnLst>
+  </p:timing>
+</p:sld>
+</file>
+
+<file path=ppt/slides/slide14.xml><?xml version="1.0" encoding="utf-8"?>
+<p:sld xmlns:a="http://schemas.openxmlformats.org/drawingml/2006/main" xmlns:r="http://schemas.openxmlformats.org/officeDocument/2006/relationships" xmlns:p="http://schemas.openxmlformats.org/presentationml/2006/main">
+  <p:cSld>
+    <p:spTree>
+      <p:nvGrpSpPr>
+        <p:cNvPr id="1" name=""/>
+        <p:cNvGrpSpPr/>
+        <p:nvPr/>
+      </p:nvGrpSpPr>
+      <p:grpSpPr>
+        <a:xfrm>
+          <a:off x="0" y="0"/>
+          <a:ext cx="0" cy="0"/>
+          <a:chOff x="0" y="0"/>
+          <a:chExt cx="0" cy="0"/>
+        </a:xfrm>
+      </p:grpSpPr>
+      <p:sp>
+        <p:nvSpPr>
+          <p:cNvPr id="2" name="Заголовок 1"/>
+          <p:cNvSpPr>
+            <a:spLocks noGrp="1"/>
+          </p:cNvSpPr>
+          <p:nvPr>
+            <p:ph type="title"/>
+          </p:nvPr>
+        </p:nvSpPr>
+        <p:spPr/>
+        <p:txBody>
+          <a:bodyPr/>
+          <a:lstStyle/>
+          <a:p>
+            <a:pPr algn="ctr"/>
+            <a:r>
+              <a:rPr lang="ru-RU" dirty="0" smtClean="0"/>
+              <a:t>Оценка качества отслеживания</a:t>
+            </a:r>
+            <a:endParaRPr lang="ru-RU" dirty="0"/>
+          </a:p>
+        </p:txBody>
+      </p:sp>
+      <p:sp>
+        <p:nvSpPr>
+          <p:cNvPr id="4" name="Номер слайда 3"/>
+          <p:cNvSpPr>
+            <a:spLocks noGrp="1"/>
+          </p:cNvSpPr>
+          <p:nvPr>
+            <p:ph type="sldNum" sz="quarter" idx="12"/>
+          </p:nvPr>
+        </p:nvSpPr>
+        <p:spPr/>
+        <p:txBody>
+          <a:bodyPr/>
+          <a:lstStyle/>
+          <a:p>
+            <a:fld id="{F9D62829-C74A-48E8-BA30-BE2CEDDA2708}" type="slidenum">
+              <a:rPr lang="ru-RU" smtClean="0"/>
+              <a:pPr/>
+              <a:t>14</a:t>
             </a:fld>
             <a:endParaRPr lang="ru-RU"/>
           </a:p>
@@ -4884,21 +5191,7 @@
                 <a:latin typeface="Times New Roman" pitchFamily="18" charset="0"/>
                 <a:cs typeface="Times New Roman" pitchFamily="18" charset="0"/>
               </a:rPr>
-              <a:t>– количество кадров, на которых </a:t>
-            </a:r>
-            <a:r>
-              <a:rPr lang="ru-RU" sz="1600" dirty="0" smtClean="0">
-                <a:latin typeface="Times New Roman" pitchFamily="18" charset="0"/>
-                <a:cs typeface="Times New Roman" pitchFamily="18" charset="0"/>
-              </a:rPr>
-              <a:t>объект успешно </a:t>
-            </a:r>
-            <a:r>
-              <a:rPr lang="ru-RU" sz="1600" dirty="0" smtClean="0">
-                <a:latin typeface="Times New Roman" pitchFamily="18" charset="0"/>
-                <a:cs typeface="Times New Roman" pitchFamily="18" charset="0"/>
-              </a:rPr>
-              <a:t>определен</a:t>
+              <a:t>– количество кадров, на которых объект успешно определен</a:t>
             </a:r>
             <a:endParaRPr lang="ru-RU" sz="1600" dirty="0">
               <a:latin typeface="Times New Roman" pitchFamily="18" charset="0"/>
@@ -5052,187 +5345,6 @@
           </a:prstGeom>
         </p:spPr>
       </p:pic>
-    </p:spTree>
-  </p:cSld>
-  <p:clrMapOvr>
-    <a:masterClrMapping/>
-  </p:clrMapOvr>
-  <p:timing>
-    <p:tnLst>
-      <p:par>
-        <p:cTn id="1" dur="indefinite" restart="never" nodeType="tmRoot"/>
-      </p:par>
-    </p:tnLst>
-  </p:timing>
-</p:sld>
-</file>
-
-<file path=ppt/slides/slide14.xml><?xml version="1.0" encoding="utf-8"?>
-<p:sld xmlns:a="http://schemas.openxmlformats.org/drawingml/2006/main" xmlns:r="http://schemas.openxmlformats.org/officeDocument/2006/relationships" xmlns:p="http://schemas.openxmlformats.org/presentationml/2006/main">
-  <p:cSld>
-    <p:spTree>
-      <p:nvGrpSpPr>
-        <p:cNvPr id="1" name=""/>
-        <p:cNvGrpSpPr/>
-        <p:nvPr/>
-      </p:nvGrpSpPr>
-      <p:grpSpPr>
-        <a:xfrm>
-          <a:off x="0" y="0"/>
-          <a:ext cx="0" cy="0"/>
-          <a:chOff x="0" y="0"/>
-          <a:chExt cx="0" cy="0"/>
-        </a:xfrm>
-      </p:grpSpPr>
-      <p:sp>
-        <p:nvSpPr>
-          <p:cNvPr id="2" name="Заголовок 1"/>
-          <p:cNvSpPr>
-            <a:spLocks noGrp="1"/>
-          </p:cNvSpPr>
-          <p:nvPr>
-            <p:ph type="title"/>
-          </p:nvPr>
-        </p:nvSpPr>
-        <p:spPr/>
-        <p:txBody>
-          <a:bodyPr/>
-          <a:lstStyle/>
-          <a:p>
-            <a:r>
-              <a:rPr lang="ru-RU" dirty="0" smtClean="0"/>
-              <a:t>Условия отслеживания</a:t>
-            </a:r>
-            <a:endParaRPr lang="ru-RU" dirty="0"/>
-          </a:p>
-        </p:txBody>
-      </p:sp>
-      <p:sp>
-        <p:nvSpPr>
-          <p:cNvPr id="3" name="Содержимое 2"/>
-          <p:cNvSpPr>
-            <a:spLocks noGrp="1"/>
-          </p:cNvSpPr>
-          <p:nvPr>
-            <p:ph idx="1"/>
-          </p:nvPr>
-        </p:nvSpPr>
-        <p:spPr/>
-        <p:txBody>
-          <a:bodyPr>
-            <a:normAutofit fontScale="92500" lnSpcReduction="10000"/>
-          </a:bodyPr>
-          <a:lstStyle/>
-          <a:p>
-            <a:r>
-              <a:rPr lang="ru-RU" dirty="0" smtClean="0"/>
-              <a:t>Неподвижный объект, движущаяся камера</a:t>
-            </a:r>
-          </a:p>
-          <a:p>
-            <a:pPr lvl="1"/>
-            <a:r>
-              <a:rPr lang="ru-RU" dirty="0" smtClean="0"/>
-              <a:t>резкие перемещения камеры, наличие похожих объектов в сцене</a:t>
-            </a:r>
-          </a:p>
-          <a:p>
-            <a:pPr lvl="1"/>
-            <a:r>
-              <a:rPr lang="ru-RU" dirty="0"/>
-              <a:t>и</a:t>
-            </a:r>
-            <a:r>
-              <a:rPr lang="ru-RU" dirty="0" smtClean="0"/>
-              <a:t>зменение освещения</a:t>
-            </a:r>
-          </a:p>
-          <a:p>
-            <a:pPr lvl="1"/>
-            <a:r>
-              <a:rPr lang="ru-RU" dirty="0"/>
-              <a:t>ч</a:t>
-            </a:r>
-            <a:r>
-              <a:rPr lang="ru-RU" dirty="0" smtClean="0"/>
-              <a:t>астичное перекрытие объекта</a:t>
-            </a:r>
-          </a:p>
-          <a:p>
-            <a:r>
-              <a:rPr lang="ru-RU" dirty="0" smtClean="0"/>
-              <a:t>Движущийся объект, движущаяся камера</a:t>
-            </a:r>
-          </a:p>
-          <a:p>
-            <a:pPr lvl="1"/>
-            <a:r>
-              <a:rPr lang="ru-RU" dirty="0" smtClean="0"/>
-              <a:t>ускорение, изменение направления движения</a:t>
-            </a:r>
-          </a:p>
-          <a:p>
-            <a:pPr lvl="1"/>
-            <a:r>
-              <a:rPr lang="ru-RU" dirty="0"/>
-              <a:t>и</a:t>
-            </a:r>
-            <a:r>
-              <a:rPr lang="ru-RU" dirty="0" smtClean="0"/>
-              <a:t>зменяющийся неоднородный фон</a:t>
-            </a:r>
-          </a:p>
-          <a:p>
-            <a:pPr lvl="1"/>
-            <a:r>
-              <a:rPr lang="ru-RU" dirty="0"/>
-              <a:t>п</a:t>
-            </a:r>
-            <a:r>
-              <a:rPr lang="ru-RU" dirty="0" smtClean="0"/>
-              <a:t>ерекрытия объекта</a:t>
-            </a:r>
-          </a:p>
-          <a:p>
-            <a:pPr lvl="1"/>
-            <a:r>
-              <a:rPr lang="ru-RU" dirty="0"/>
-              <a:t>н</a:t>
-            </a:r>
-            <a:r>
-              <a:rPr lang="ru-RU" dirty="0" smtClean="0"/>
-              <a:t>аличие похожих объектов</a:t>
-            </a:r>
-          </a:p>
-          <a:p>
-            <a:endParaRPr lang="ru-RU" dirty="0"/>
-          </a:p>
-        </p:txBody>
-      </p:sp>
-      <p:sp>
-        <p:nvSpPr>
-          <p:cNvPr id="4" name="Номер слайда 3"/>
-          <p:cNvSpPr>
-            <a:spLocks noGrp="1"/>
-          </p:cNvSpPr>
-          <p:nvPr>
-            <p:ph type="sldNum" sz="quarter" idx="12"/>
-          </p:nvPr>
-        </p:nvSpPr>
-        <p:spPr/>
-        <p:txBody>
-          <a:bodyPr/>
-          <a:lstStyle/>
-          <a:p>
-            <a:fld id="{F9D62829-C74A-48E8-BA30-BE2CEDDA2708}" type="slidenum">
-              <a:rPr lang="ru-RU" smtClean="0"/>
-              <a:pPr/>
-              <a:t>14</a:t>
-            </a:fld>
-            <a:endParaRPr lang="ru-RU"/>
-          </a:p>
-        </p:txBody>
-      </p:sp>
     </p:spTree>
   </p:cSld>
   <p:clrMapOvr>
@@ -13207,11 +13319,7 @@
           <a:p>
             <a:r>
               <a:rPr lang="ru-RU" dirty="0" smtClean="0"/>
-              <a:t>Время обнаружения </a:t>
-            </a:r>
-            <a:r>
-              <a:rPr lang="ru-RU" dirty="0" smtClean="0"/>
-              <a:t>объекта после инициализации</a:t>
+              <a:t>Время обнаружения объекта после инициализации</a:t>
             </a:r>
             <a:endParaRPr lang="ru-RU" dirty="0"/>
           </a:p>
@@ -13236,11 +13344,7 @@
           <a:p>
             <a:r>
               <a:rPr lang="ru-RU" sz="2000" dirty="0" smtClean="0"/>
-              <a:t>Врем</a:t>
-            </a:r>
-            <a:r>
-              <a:rPr lang="ru-RU" sz="2000" dirty="0" smtClean="0"/>
-              <a:t>я обнаружения — количество кадров с момента инициализации до обнаружения </a:t>
+              <a:t>Время обнаружения — количество кадров с момента инициализации до обнаружения </a:t>
             </a:r>
             <a:r>
               <a:rPr lang="ru-RU" sz="2000" dirty="0" err="1" smtClean="0"/>
@@ -13250,7 +13354,6 @@
               <a:rPr lang="ru-RU" sz="2000" dirty="0" smtClean="0"/>
               <a:t> объекта</a:t>
             </a:r>
-            <a:endParaRPr lang="ru-RU" sz="2000" dirty="0" smtClean="0"/>
           </a:p>
           <a:p>
             <a:r>
@@ -13262,22 +13365,14 @@
             <a:pPr lvl="1"/>
             <a:r>
               <a:rPr lang="ru-RU" sz="1600" dirty="0" smtClean="0"/>
-              <a:t>п</a:t>
-            </a:r>
+              <a:t>положение объекта на первом кадре задано вручную, частицы сгруппированы вокруг объекта (время обнаружения равно 0);</a:t>
+            </a:r>
+          </a:p>
+          <a:p>
+            <a:pPr lvl="1"/>
             <a:r>
               <a:rPr lang="ru-RU" sz="1600" dirty="0" smtClean="0"/>
-              <a:t>оложение объекта на первом кадре задано вручную, частицы сгруппированы вокруг объекта (время обнаружения равно 0);</a:t>
-            </a:r>
-          </a:p>
-          <a:p>
-            <a:pPr lvl="1"/>
-            <a:r>
-              <a:rPr lang="ru-RU" sz="1600" dirty="0" smtClean="0"/>
-              <a:t>п</a:t>
-            </a:r>
-            <a:r>
-              <a:rPr lang="ru-RU" sz="1600" dirty="0" smtClean="0"/>
-              <a:t>оложение объекта неизвестно, частицы равномерно распределены по всей области кадра</a:t>
+              <a:t>положение объекта неизвестно, частицы равномерно распределены по всей области кадра</a:t>
             </a:r>
             <a:endParaRPr lang="ru-RU" sz="1600" dirty="0"/>
           </a:p>
@@ -14505,7 +14600,7 @@
           <p:nvPr/>
         </p:nvGraphicFramePr>
         <p:xfrm>
-          <a:off x="467544" y="5946196"/>
+          <a:off x="467544" y="5717296"/>
           <a:ext cx="338138" cy="469900"/>
         </p:xfrm>
         <a:graphic>
@@ -14525,7 +14620,7 @@
           <p:nvPr/>
         </p:nvGraphicFramePr>
         <p:xfrm>
-          <a:off x="462459" y="5658164"/>
+          <a:off x="462459" y="5429264"/>
           <a:ext cx="365125" cy="469900"/>
         </p:xfrm>
         <a:graphic>
@@ -14536,9 +14631,97 @@
           </a:graphicData>
         </a:graphic>
       </p:graphicFrame>
+      <p:sp>
+        <p:nvSpPr>
+          <p:cNvPr id="16" name="TextBox 15"/>
+          <p:cNvSpPr txBox="1"/>
+          <p:nvPr/>
+        </p:nvSpPr>
+        <p:spPr>
+          <a:xfrm>
+            <a:off x="323528" y="5500702"/>
+            <a:ext cx="8112927" cy="646331"/>
+          </a:xfrm>
+          <a:prstGeom prst="rect">
+            <a:avLst/>
+          </a:prstGeom>
+          <a:noFill/>
+        </p:spPr>
+        <p:txBody>
+          <a:bodyPr wrap="square" rtlCol="0">
+            <a:spAutoFit/>
+          </a:bodyPr>
+          <a:lstStyle/>
+          <a:p>
+            <a:r>
+              <a:rPr lang="ru-RU" dirty="0" smtClean="0">
+                <a:latin typeface="Times New Roman" pitchFamily="18" charset="0"/>
+                <a:cs typeface="Times New Roman" pitchFamily="18" charset="0"/>
+              </a:rPr>
+              <a:t>       </a:t>
+            </a:r>
+            <a:r>
+              <a:rPr lang="en-US" dirty="0" smtClean="0">
+                <a:latin typeface="Times New Roman" pitchFamily="18" charset="0"/>
+                <a:cs typeface="Times New Roman" pitchFamily="18" charset="0"/>
+              </a:rPr>
+              <a:t>– </a:t>
+            </a:r>
+            <a:r>
+              <a:rPr lang="ru-RU" dirty="0" smtClean="0">
+                <a:latin typeface="Times New Roman" pitchFamily="18" charset="0"/>
+                <a:cs typeface="Times New Roman" pitchFamily="18" charset="0"/>
+              </a:rPr>
+              <a:t>вектор состояния объекта на кадре </a:t>
+            </a:r>
+            <a:r>
+              <a:rPr lang="en-US" dirty="0" smtClean="0">
+                <a:latin typeface="Times New Roman" pitchFamily="18" charset="0"/>
+                <a:cs typeface="Times New Roman" pitchFamily="18" charset="0"/>
+              </a:rPr>
+              <a:t>k</a:t>
+            </a:r>
+            <a:endParaRPr lang="ru-RU" dirty="0" smtClean="0">
+              <a:latin typeface="Times New Roman" pitchFamily="18" charset="0"/>
+              <a:cs typeface="Times New Roman" pitchFamily="18" charset="0"/>
+            </a:endParaRPr>
+          </a:p>
+          <a:p>
+            <a:r>
+              <a:rPr lang="ru-RU" dirty="0" smtClean="0">
+                <a:latin typeface="Times New Roman" pitchFamily="18" charset="0"/>
+                <a:cs typeface="Times New Roman" pitchFamily="18" charset="0"/>
+              </a:rPr>
+              <a:t>      </a:t>
+            </a:r>
+            <a:r>
+              <a:rPr lang="en-US" dirty="0" smtClean="0">
+                <a:latin typeface="Times New Roman" pitchFamily="18" charset="0"/>
+                <a:cs typeface="Times New Roman" pitchFamily="18" charset="0"/>
+              </a:rPr>
+              <a:t> – </a:t>
+            </a:r>
+            <a:r>
+              <a:rPr lang="ru-RU" dirty="0" smtClean="0">
+                <a:latin typeface="Times New Roman" pitchFamily="18" charset="0"/>
+                <a:cs typeface="Times New Roman" pitchFamily="18" charset="0"/>
+              </a:rPr>
+              <a:t>наблюдение объекта на кадре </a:t>
+            </a:r>
+            <a:r>
+              <a:rPr lang="en-US" dirty="0" smtClean="0">
+                <a:latin typeface="Times New Roman" pitchFamily="18" charset="0"/>
+                <a:cs typeface="Times New Roman" pitchFamily="18" charset="0"/>
+              </a:rPr>
+              <a:t>k</a:t>
+            </a:r>
+            <a:endParaRPr lang="ru-RU" dirty="0"/>
+          </a:p>
+        </p:txBody>
+      </p:sp>
       <p:pic>
         <p:nvPicPr>
-          <p:cNvPr id="33" name="Рисунок 32" descr="idef0.jpg"/>
+          <p:cNvPr id="9" name="Рисунок 8" descr="idef0.jpg"/>
           <p:cNvPicPr>
             <a:picLocks noChangeAspect="1"/>
           </p:cNvPicPr>
@@ -14552,125 +14735,14 @@
         </p:blipFill>
         <p:spPr>
           <a:xfrm>
-            <a:off x="0" y="1071546"/>
-            <a:ext cx="9144000" cy="4638261"/>
+            <a:off x="350138" y="1142984"/>
+            <a:ext cx="8436704" cy="4286280"/>
           </a:xfrm>
           <a:prstGeom prst="rect">
             <a:avLst/>
           </a:prstGeom>
         </p:spPr>
       </p:pic>
-      <p:sp>
-        <p:nvSpPr>
-          <p:cNvPr id="16" name="TextBox 15"/>
-          <p:cNvSpPr txBox="1"/>
-          <p:nvPr/>
-        </p:nvSpPr>
-        <p:spPr>
-          <a:xfrm>
-            <a:off x="323528" y="5500702"/>
-            <a:ext cx="8112927" cy="923330"/>
-          </a:xfrm>
-          <a:prstGeom prst="rect">
-            <a:avLst/>
-          </a:prstGeom>
-          <a:noFill/>
-        </p:spPr>
-        <p:txBody>
-          <a:bodyPr wrap="square" rtlCol="0">
-            <a:spAutoFit/>
-          </a:bodyPr>
-          <a:lstStyle/>
-          <a:p>
-            <a:r>
-              <a:rPr lang="en-US" dirty="0" err="1" smtClean="0">
-                <a:latin typeface="Times New Roman" pitchFamily="18" charset="0"/>
-                <a:cs typeface="Times New Roman" pitchFamily="18" charset="0"/>
-              </a:rPr>
-              <a:t>pdf</a:t>
-            </a:r>
-            <a:r>
-              <a:rPr lang="ru-RU" dirty="0" smtClean="0">
-                <a:latin typeface="Times New Roman" pitchFamily="18" charset="0"/>
-                <a:cs typeface="Times New Roman" pitchFamily="18" charset="0"/>
-              </a:rPr>
-              <a:t> </a:t>
-            </a:r>
-            <a:r>
-              <a:rPr lang="en-US" dirty="0" smtClean="0">
-                <a:latin typeface="Times New Roman" pitchFamily="18" charset="0"/>
-                <a:cs typeface="Times New Roman" pitchFamily="18" charset="0"/>
-              </a:rPr>
-              <a:t>–</a:t>
-            </a:r>
-            <a:r>
-              <a:rPr lang="ru-RU" dirty="0" smtClean="0">
-                <a:latin typeface="Times New Roman" pitchFamily="18" charset="0"/>
-                <a:cs typeface="Times New Roman" pitchFamily="18" charset="0"/>
-              </a:rPr>
-              <a:t> функция плотности распределения вероятности вектора состояния объекта</a:t>
-            </a:r>
-          </a:p>
-          <a:p>
-            <a:r>
-              <a:rPr lang="en-US" dirty="0" smtClean="0">
-                <a:latin typeface="Times New Roman" pitchFamily="18" charset="0"/>
-                <a:cs typeface="Times New Roman" pitchFamily="18" charset="0"/>
-              </a:rPr>
-              <a:t>       – </a:t>
-            </a:r>
-            <a:r>
-              <a:rPr lang="ru-RU" dirty="0" smtClean="0">
-                <a:latin typeface="Times New Roman" pitchFamily="18" charset="0"/>
-                <a:cs typeface="Times New Roman" pitchFamily="18" charset="0"/>
-              </a:rPr>
-              <a:t>вектор состояния объекта на кадре </a:t>
-            </a:r>
-            <a:r>
-              <a:rPr lang="en-US" dirty="0" smtClean="0">
-                <a:latin typeface="Times New Roman" pitchFamily="18" charset="0"/>
-                <a:cs typeface="Times New Roman" pitchFamily="18" charset="0"/>
-              </a:rPr>
-              <a:t>k</a:t>
-            </a:r>
-            <a:endParaRPr lang="ru-RU" dirty="0" smtClean="0">
-              <a:latin typeface="Times New Roman" pitchFamily="18" charset="0"/>
-              <a:cs typeface="Times New Roman" pitchFamily="18" charset="0"/>
-            </a:endParaRPr>
-          </a:p>
-          <a:p>
-            <a:r>
-              <a:rPr lang="ru-RU" dirty="0" smtClean="0">
-                <a:latin typeface="Times New Roman" pitchFamily="18" charset="0"/>
-                <a:cs typeface="Times New Roman" pitchFamily="18" charset="0"/>
-              </a:rPr>
-              <a:t>      </a:t>
-            </a:r>
-            <a:r>
-              <a:rPr lang="en-US" dirty="0" smtClean="0">
-                <a:latin typeface="Times New Roman" pitchFamily="18" charset="0"/>
-                <a:cs typeface="Times New Roman" pitchFamily="18" charset="0"/>
-              </a:rPr>
-              <a:t> – </a:t>
-            </a:r>
-            <a:r>
-              <a:rPr lang="ru-RU" dirty="0" smtClean="0">
-                <a:latin typeface="Times New Roman" pitchFamily="18" charset="0"/>
-                <a:cs typeface="Times New Roman" pitchFamily="18" charset="0"/>
-              </a:rPr>
-              <a:t>наблюдение объекта на кадре </a:t>
-            </a:r>
-            <a:r>
-              <a:rPr lang="en-US" dirty="0" smtClean="0">
-                <a:latin typeface="Times New Roman" pitchFamily="18" charset="0"/>
-                <a:cs typeface="Times New Roman" pitchFamily="18" charset="0"/>
-              </a:rPr>
-              <a:t>k</a:t>
-            </a:r>
-            <a:endParaRPr lang="ru-RU" dirty="0"/>
-          </a:p>
-        </p:txBody>
-      </p:sp>
     </p:spTree>
   </p:cSld>
   <p:clrMapOvr>
@@ -14723,36 +14795,20 @@
             <a:pPr algn="ctr"/>
             <a:r>
               <a:rPr lang="ru-RU" dirty="0" smtClean="0"/>
-              <a:t>Байесовский подход: предсказание и коррекция</a:t>
+              <a:t>Байесовский подход: </a:t>
+            </a:r>
+            <a:r>
+              <a:rPr lang="ru-RU" dirty="0" smtClean="0"/>
+              <a:t>прогноз </a:t>
+            </a:r>
+            <a:r>
+              <a:rPr lang="ru-RU" dirty="0" smtClean="0"/>
+              <a:t>и коррекция</a:t>
             </a:r>
             <a:endParaRPr lang="ru-RU" dirty="0"/>
           </a:p>
         </p:txBody>
       </p:sp>
-      <p:pic>
-        <p:nvPicPr>
-          <p:cNvPr id="24" name="Рисунок 23" descr="idef0_1.jpg"/>
-          <p:cNvPicPr>
-            <a:picLocks noChangeAspect="1"/>
-          </p:cNvPicPr>
-          <p:nvPr/>
-        </p:nvPicPr>
-        <p:blipFill>
-          <a:blip r:embed="rId2" cstate="print"/>
-          <a:stretch>
-            <a:fillRect/>
-          </a:stretch>
-        </p:blipFill>
-        <p:spPr>
-          <a:xfrm>
-            <a:off x="32" y="1643050"/>
-            <a:ext cx="9144000" cy="4439478"/>
-          </a:xfrm>
-          <a:prstGeom prst="rect">
-            <a:avLst/>
-          </a:prstGeom>
-        </p:spPr>
-      </p:pic>
       <p:sp>
         <p:nvSpPr>
           <p:cNvPr id="25" name="Номер слайда 24"/>
@@ -14777,6 +14833,30 @@
           </a:p>
         </p:txBody>
       </p:sp>
+      <p:pic>
+        <p:nvPicPr>
+          <p:cNvPr id="5" name="Рисунок 4" descr="idef0_1.jpg"/>
+          <p:cNvPicPr>
+            <a:picLocks noChangeAspect="1"/>
+          </p:cNvPicPr>
+          <p:nvPr/>
+        </p:nvPicPr>
+        <p:blipFill>
+          <a:blip r:embed="rId3" cstate="print"/>
+          <a:stretch>
+            <a:fillRect/>
+          </a:stretch>
+        </p:blipFill>
+        <p:spPr>
+          <a:xfrm>
+            <a:off x="0" y="1795506"/>
+            <a:ext cx="9144000" cy="4491014"/>
+          </a:xfrm>
+          <a:prstGeom prst="rect">
+            <a:avLst/>
+          </a:prstGeom>
+        </p:spPr>
+      </p:pic>
     </p:spTree>
   </p:cSld>
   <p:clrMapOvr>
@@ -15103,7 +15183,11 @@
             <a:pPr algn="ctr"/>
             <a:r>
               <a:rPr lang="ru-RU" dirty="0" smtClean="0"/>
-              <a:t>Модель представления объекта</a:t>
+              <a:t>Способ представления </a:t>
+            </a:r>
+            <a:r>
+              <a:rPr lang="ru-RU" dirty="0" smtClean="0"/>
+              <a:t>объекта</a:t>
             </a:r>
             <a:endParaRPr lang="ru-RU" dirty="0"/>
           </a:p>
@@ -15516,13 +15600,26 @@
         </p:nvSpPr>
         <p:spPr/>
         <p:txBody>
-          <a:bodyPr/>
+          <a:bodyPr>
+            <a:normAutofit fontScale="90000"/>
+          </a:bodyPr>
           <a:lstStyle/>
           <a:p>
             <a:pPr algn="ctr"/>
             <a:r>
               <a:rPr lang="ru-RU" dirty="0" smtClean="0"/>
-              <a:t>Модель динамики объекта</a:t>
+              <a:t>Прогнозирование:</a:t>
+            </a:r>
+            <a:br>
+              <a:rPr lang="ru-RU" dirty="0" smtClean="0"/>
+            </a:br>
+            <a:r>
+              <a:rPr lang="ru-RU" dirty="0" smtClean="0"/>
+              <a:t>модель </a:t>
+            </a:r>
+            <a:r>
+              <a:rPr lang="ru-RU" dirty="0" smtClean="0"/>
+              <a:t>динамики объекта</a:t>
             </a:r>
             <a:endParaRPr lang="ru-RU" dirty="0"/>
           </a:p>
@@ -15789,8 +15886,8 @@
         </p:nvSpPr>
         <p:spPr>
           <a:xfrm>
-            <a:off x="683568" y="4869160"/>
-            <a:ext cx="8064895" cy="954107"/>
+            <a:off x="2143108" y="5000636"/>
+            <a:ext cx="3429023" cy="523220"/>
           </a:xfrm>
           <a:prstGeom prst="rect">
             <a:avLst/>
@@ -15808,7 +15905,7 @@
                 <a:latin typeface="Times New Roman" pitchFamily="18" charset="0"/>
                 <a:cs typeface="Times New Roman" pitchFamily="18" charset="0"/>
               </a:rPr>
-              <a:t>матрица ковариации, задается вектором стандартных отклонений</a:t>
+              <a:t>матрица ковариации, </a:t>
             </a:r>
             <a:endParaRPr lang="ru-RU" sz="2800" dirty="0">
               <a:latin typeface="Times New Roman" pitchFamily="18" charset="0"/>
@@ -15826,32 +15923,12 @@
           <p:nvPr/>
         </p:nvGraphicFramePr>
         <p:xfrm>
-          <a:off x="150813" y="5013176"/>
-          <a:ext cx="568390" cy="520725"/>
+          <a:off x="168258" y="5013325"/>
+          <a:ext cx="1974850" cy="520700"/>
         </p:xfrm>
         <a:graphic>
           <a:graphicData uri="http://schemas.openxmlformats.org/presentationml/2006/ole">
-            <p:oleObj spid="_x0000_s31751" name="Equation" r:id="rId7" imgW="266400" imgH="203040" progId="Equation.3">
-              <p:embed/>
-            </p:oleObj>
-          </a:graphicData>
-        </a:graphic>
-      </p:graphicFrame>
-      <p:graphicFrame>
-        <p:nvGraphicFramePr>
-          <p:cNvPr id="31752" name="Object 8"/>
-          <p:cNvGraphicFramePr>
-            <a:graphicFrameLocks noChangeAspect="1"/>
-          </p:cNvGraphicFramePr>
-          <p:nvPr/>
-        </p:nvGraphicFramePr>
-        <p:xfrm>
-          <a:off x="4559302" y="5395929"/>
-          <a:ext cx="298450" cy="390525"/>
-        </p:xfrm>
-        <a:graphic>
-          <a:graphicData uri="http://schemas.openxmlformats.org/presentationml/2006/ole">
-            <p:oleObj spid="_x0000_s31752" name="Equation" r:id="rId8" imgW="139680" imgH="152280" progId="Equation.3">
+            <p:oleObj spid="_x0000_s31751" name="Формула" r:id="rId7" imgW="927000" imgH="203040" progId="Equation.3">
               <p:embed/>
             </p:oleObj>
           </a:graphicData>
@@ -15866,17 +15943,60 @@
           <p:nvPr/>
         </p:nvGraphicFramePr>
         <p:xfrm>
-          <a:off x="150813" y="5805488"/>
-          <a:ext cx="7321550" cy="600075"/>
+          <a:off x="142844" y="5643578"/>
+          <a:ext cx="7637463" cy="600075"/>
         </p:xfrm>
         <a:graphic>
           <a:graphicData uri="http://schemas.openxmlformats.org/presentationml/2006/ole">
-            <p:oleObj spid="_x0000_s31753" name="Equation" r:id="rId9" imgW="2946240" imgH="241200" progId="Equation.3">
+            <p:oleObj spid="_x0000_s31753" name="Формула" r:id="rId8" imgW="3073320" imgH="241200" progId="Equation.3">
               <p:embed/>
             </p:oleObj>
           </a:graphicData>
         </a:graphic>
       </p:graphicFrame>
+      <p:sp>
+        <p:nvSpPr>
+          <p:cNvPr id="17" name="TextBox 16"/>
+          <p:cNvSpPr txBox="1"/>
+          <p:nvPr/>
+        </p:nvSpPr>
+        <p:spPr>
+          <a:xfrm>
+            <a:off x="785786" y="6215082"/>
+            <a:ext cx="5143536" cy="523220"/>
+          </a:xfrm>
+          <a:prstGeom prst="rect">
+            <a:avLst/>
+          </a:prstGeom>
+          <a:noFill/>
+        </p:spPr>
+        <p:txBody>
+          <a:bodyPr wrap="square" rtlCol="0">
+            <a:spAutoFit/>
+          </a:bodyPr>
+          <a:lstStyle/>
+          <a:p>
+            <a:r>
+              <a:rPr lang="ru-RU" sz="2800" dirty="0" smtClean="0">
+                <a:latin typeface="Times New Roman" pitchFamily="18" charset="0"/>
+                <a:cs typeface="Times New Roman" pitchFamily="18" charset="0"/>
+              </a:rPr>
+              <a:t>в</a:t>
+            </a:r>
+            <a:r>
+              <a:rPr lang="ru-RU" sz="2800" dirty="0" smtClean="0">
+                <a:latin typeface="Times New Roman" pitchFamily="18" charset="0"/>
+                <a:cs typeface="Times New Roman" pitchFamily="18" charset="0"/>
+              </a:rPr>
+              <a:t>ектор стандартных отклонений</a:t>
+            </a:r>
+            <a:endParaRPr lang="ru-RU" sz="2800" dirty="0">
+              <a:latin typeface="Times New Roman" pitchFamily="18" charset="0"/>
+              <a:cs typeface="Times New Roman" pitchFamily="18" charset="0"/>
+            </a:endParaRPr>
+          </a:p>
+        </p:txBody>
+      </p:sp>
     </p:spTree>
   </p:cSld>
   <p:clrMapOvr>
@@ -15919,15 +16039,29 @@
             <p:ph type="title"/>
           </p:nvPr>
         </p:nvSpPr>
-        <p:spPr/>
+        <p:spPr>
+          <a:xfrm>
+            <a:off x="457200" y="274638"/>
+            <a:ext cx="8401080" cy="1143000"/>
+          </a:xfrm>
+        </p:spPr>
         <p:txBody>
-          <a:bodyPr/>
+          <a:bodyPr>
+            <a:normAutofit fontScale="90000"/>
+          </a:bodyPr>
           <a:lstStyle/>
           <a:p>
             <a:pPr algn="ctr"/>
             <a:r>
               <a:rPr lang="ru-RU" dirty="0" smtClean="0"/>
-              <a:t>Процесс измерения</a:t>
+              <a:t>Коррекция: </a:t>
+            </a:r>
+            <a:br>
+              <a:rPr lang="ru-RU" dirty="0" smtClean="0"/>
+            </a:br>
+            <a:r>
+              <a:rPr lang="ru-RU" dirty="0" smtClean="0"/>
+              <a:t>вычисление функции правдоподобия</a:t>
             </a:r>
             <a:endParaRPr lang="ru-RU" dirty="0"/>
           </a:p>
